--- a/ppt/IoT03-Electricity.pptx
+++ b/ppt/IoT03-Electricity.pptx
@@ -5,10 +5,10 @@
     <p:sldMasterId id="2147483653" r:id="rId1"/>
   </p:sldMasterIdLst>
   <p:notesMasterIdLst>
-    <p:notesMasterId r:id="rId19"/>
+    <p:notesMasterId r:id="rId21"/>
   </p:notesMasterIdLst>
   <p:handoutMasterIdLst>
-    <p:handoutMasterId r:id="rId20"/>
+    <p:handoutMasterId r:id="rId22"/>
   </p:handoutMasterIdLst>
   <p:sldIdLst>
     <p:sldId id="264" r:id="rId2"/>
@@ -26,8 +26,10 @@
     <p:sldId id="295" r:id="rId14"/>
     <p:sldId id="296" r:id="rId15"/>
     <p:sldId id="292" r:id="rId16"/>
-    <p:sldId id="298" r:id="rId17"/>
-    <p:sldId id="299" r:id="rId18"/>
+    <p:sldId id="300" r:id="rId17"/>
+    <p:sldId id="298" r:id="rId18"/>
+    <p:sldId id="299" r:id="rId19"/>
+    <p:sldId id="301" r:id="rId20"/>
   </p:sldIdLst>
   <p:sldSz cx="9144000" cy="6858000" type="screen4x3"/>
   <p:notesSz cx="6648450" cy="9782175"/>
@@ -4589,6 +4591,243 @@
           <p:cNvPr id="2" name="Titre 1">
             <a:extLst>
               <a:ext uri="{FF2B5EF4-FFF2-40B4-BE49-F238E27FC236}">
+                <a16:creationId xmlns:a16="http://schemas.microsoft.com/office/drawing/2014/main" id="{67F08C09-C88D-EF49-0AF7-8CC771F81CFE}"/>
+              </a:ext>
+            </a:extLst>
+          </p:cNvPr>
+          <p:cNvSpPr>
+            <a:spLocks noGrp="1"/>
+          </p:cNvSpPr>
+          <p:nvPr>
+            <p:ph type="title"/>
+          </p:nvPr>
+        </p:nvSpPr>
+        <p:spPr/>
+        <p:txBody>
+          <a:bodyPr/>
+          <a:lstStyle/>
+          <a:p>
+            <a:r>
+              <a:rPr lang="fr-FR" dirty="0"/>
+              <a:t>Transistor</a:t>
+            </a:r>
+          </a:p>
+        </p:txBody>
+      </p:sp>
+      <p:sp>
+        <p:nvSpPr>
+          <p:cNvPr id="3" name="Espace réservé du contenu 2">
+            <a:extLst>
+              <a:ext uri="{FF2B5EF4-FFF2-40B4-BE49-F238E27FC236}">
+                <a16:creationId xmlns:a16="http://schemas.microsoft.com/office/drawing/2014/main" id="{40CA4321-2F14-9309-91E1-E8A94B4BD854}"/>
+              </a:ext>
+            </a:extLst>
+          </p:cNvPr>
+          <p:cNvSpPr>
+            <a:spLocks noGrp="1"/>
+          </p:cNvSpPr>
+          <p:nvPr>
+            <p:ph idx="1"/>
+          </p:nvPr>
+        </p:nvSpPr>
+        <p:spPr/>
+        <p:txBody>
+          <a:bodyPr/>
+          <a:lstStyle/>
+          <a:p>
+            <a:r>
+              <a:rPr lang="fr-FR" dirty="0"/>
+              <a:t>Un transistor est un semi conducteur</a:t>
+            </a:r>
+          </a:p>
+          <a:p>
+            <a:pPr lvl="1"/>
+            <a:r>
+              <a:rPr lang="fr-FR" dirty="0"/>
+              <a:t>Il en existe plusieurs familles NPN, PNP</a:t>
+            </a:r>
+          </a:p>
+          <a:p>
+            <a:r>
+              <a:rPr lang="fr-FR" dirty="0"/>
+              <a:t>Il agit comme un interrupteur électrique</a:t>
+            </a:r>
+          </a:p>
+          <a:p>
+            <a:pPr lvl="1"/>
+            <a:r>
+              <a:rPr lang="fr-FR" dirty="0"/>
+              <a:t>Sur un NPN</a:t>
+            </a:r>
+          </a:p>
+          <a:p>
+            <a:pPr lvl="1"/>
+            <a:r>
+              <a:rPr lang="fr-FR" dirty="0"/>
+              <a:t>Si C = HIGH ET B = HIGH =&gt; E = HIGH</a:t>
+            </a:r>
+          </a:p>
+          <a:p>
+            <a:pPr lvl="1"/>
+            <a:r>
+              <a:rPr lang="fr-FR" dirty="0"/>
+              <a:t>Si C = ANY ET B = LOW =&gt; E = LOW</a:t>
+            </a:r>
+          </a:p>
+          <a:p>
+            <a:r>
+              <a:rPr lang="fr-FR" dirty="0"/>
+              <a:t>Les transistors sont généralement en 5V</a:t>
+            </a:r>
+          </a:p>
+          <a:p>
+            <a:pPr lvl="1"/>
+            <a:r>
+              <a:rPr lang="fr-FR" dirty="0"/>
+              <a:t>Le seuil de déclenchement est généralement vers 2.5V</a:t>
+            </a:r>
+          </a:p>
+          <a:p>
+            <a:pPr lvl="1"/>
+            <a:r>
+              <a:rPr lang="fr-FR" dirty="0"/>
+              <a:t>Il n'est pas parfait</a:t>
+            </a:r>
+          </a:p>
+          <a:p>
+            <a:endParaRPr lang="fr-FR" dirty="0"/>
+          </a:p>
+          <a:p>
+            <a:pPr lvl="1"/>
+            <a:endParaRPr lang="fr-FR" dirty="0"/>
+          </a:p>
+        </p:txBody>
+      </p:sp>
+      <p:pic>
+        <p:nvPicPr>
+          <p:cNvPr id="5" name="Image 4">
+            <a:extLst>
+              <a:ext uri="{FF2B5EF4-FFF2-40B4-BE49-F238E27FC236}">
+                <a16:creationId xmlns:a16="http://schemas.microsoft.com/office/drawing/2014/main" id="{ED1C450A-9574-74F1-EB0A-A767212C522E}"/>
+              </a:ext>
+            </a:extLst>
+          </p:cNvPr>
+          <p:cNvPicPr>
+            <a:picLocks noChangeAspect="1"/>
+          </p:cNvPicPr>
+          <p:nvPr/>
+        </p:nvPicPr>
+        <p:blipFill>
+          <a:blip r:embed="rId2"/>
+          <a:stretch>
+            <a:fillRect/>
+          </a:stretch>
+        </p:blipFill>
+        <p:spPr>
+          <a:xfrm>
+            <a:off x="7849904" y="1057266"/>
+            <a:ext cx="714475" cy="1495634"/>
+          </a:xfrm>
+          <a:prstGeom prst="rect">
+            <a:avLst/>
+          </a:prstGeom>
+        </p:spPr>
+      </p:pic>
+      <p:pic>
+        <p:nvPicPr>
+          <p:cNvPr id="7" name="Image 6">
+            <a:extLst>
+              <a:ext uri="{FF2B5EF4-FFF2-40B4-BE49-F238E27FC236}">
+                <a16:creationId xmlns:a16="http://schemas.microsoft.com/office/drawing/2014/main" id="{E76D02BF-63A4-84BC-DA13-8DA7F69B556E}"/>
+              </a:ext>
+            </a:extLst>
+          </p:cNvPr>
+          <p:cNvPicPr>
+            <a:picLocks noChangeAspect="1"/>
+          </p:cNvPicPr>
+          <p:nvPr/>
+        </p:nvPicPr>
+        <p:blipFill>
+          <a:blip r:embed="rId3"/>
+          <a:stretch>
+            <a:fillRect/>
+          </a:stretch>
+        </p:blipFill>
+        <p:spPr>
+          <a:xfrm>
+            <a:off x="7740352" y="3429000"/>
+            <a:ext cx="933580" cy="1238423"/>
+          </a:xfrm>
+          <a:prstGeom prst="rect">
+            <a:avLst/>
+          </a:prstGeom>
+        </p:spPr>
+      </p:pic>
+      <p:pic>
+        <p:nvPicPr>
+          <p:cNvPr id="9" name="Image 8">
+            <a:extLst>
+              <a:ext uri="{FF2B5EF4-FFF2-40B4-BE49-F238E27FC236}">
+                <a16:creationId xmlns:a16="http://schemas.microsoft.com/office/drawing/2014/main" id="{BC7A3AA9-0254-57FE-BE8A-CF6C919BB22F}"/>
+              </a:ext>
+            </a:extLst>
+          </p:cNvPr>
+          <p:cNvPicPr>
+            <a:picLocks noChangeAspect="1"/>
+          </p:cNvPicPr>
+          <p:nvPr/>
+        </p:nvPicPr>
+        <p:blipFill>
+          <a:blip r:embed="rId4"/>
+          <a:stretch>
+            <a:fillRect/>
+          </a:stretch>
+        </p:blipFill>
+        <p:spPr>
+          <a:xfrm>
+            <a:off x="6955690" y="5085184"/>
+            <a:ext cx="1569323" cy="1265959"/>
+          </a:xfrm>
+          <a:prstGeom prst="rect">
+            <a:avLst/>
+          </a:prstGeom>
+        </p:spPr>
+      </p:pic>
+    </p:spTree>
+    <p:extLst>
+      <p:ext uri="{BB962C8B-B14F-4D97-AF65-F5344CB8AC3E}">
+        <p14:creationId xmlns:p14="http://schemas.microsoft.com/office/powerpoint/2010/main" val="3387300173"/>
+      </p:ext>
+    </p:extLst>
+  </p:cSld>
+  <p:clrMapOvr>
+    <a:masterClrMapping/>
+  </p:clrMapOvr>
+</p:sld>
+</file>
+
+<file path=ppt/slides/slide17.xml><?xml version="1.0" encoding="utf-8"?>
+<p:sld xmlns:a="http://schemas.openxmlformats.org/drawingml/2006/main" xmlns:r="http://schemas.openxmlformats.org/officeDocument/2006/relationships" xmlns:p="http://schemas.openxmlformats.org/presentationml/2006/main">
+  <p:cSld>
+    <p:spTree>
+      <p:nvGrpSpPr>
+        <p:cNvPr id="1" name=""/>
+        <p:cNvGrpSpPr/>
+        <p:nvPr/>
+      </p:nvGrpSpPr>
+      <p:grpSpPr>
+        <a:xfrm>
+          <a:off x="0" y="0"/>
+          <a:ext cx="0" cy="0"/>
+          <a:chOff x="0" y="0"/>
+          <a:chExt cx="0" cy="0"/>
+        </a:xfrm>
+      </p:grpSpPr>
+      <p:sp>
+        <p:nvSpPr>
+          <p:cNvPr id="2" name="Titre 1">
+            <a:extLst>
+              <a:ext uri="{FF2B5EF4-FFF2-40B4-BE49-F238E27FC236}">
                 <a16:creationId xmlns:a16="http://schemas.microsoft.com/office/drawing/2014/main" id="{776B1F94-F58E-5FC4-AC82-3DC773D0B6E6}"/>
               </a:ext>
             </a:extLst>
@@ -4698,7 +4937,7 @@
 </p:sld>
 </file>
 
-<file path=ppt/slides/slide17.xml><?xml version="1.0" encoding="utf-8"?>
+<file path=ppt/slides/slide18.xml><?xml version="1.0" encoding="utf-8"?>
 <p:sld xmlns:a="http://schemas.openxmlformats.org/drawingml/2006/main" xmlns:r="http://schemas.openxmlformats.org/officeDocument/2006/relationships" xmlns:p="http://schemas.openxmlformats.org/presentationml/2006/main">
   <p:cSld>
     <p:spTree>
@@ -4820,6 +5059,119 @@
     <p:extLst>
       <p:ext uri="{BB962C8B-B14F-4D97-AF65-F5344CB8AC3E}">
         <p14:creationId xmlns:p14="http://schemas.microsoft.com/office/powerpoint/2010/main" val="2871131103"/>
+      </p:ext>
+    </p:extLst>
+  </p:cSld>
+  <p:clrMapOvr>
+    <a:masterClrMapping/>
+  </p:clrMapOvr>
+</p:sld>
+</file>
+
+<file path=ppt/slides/slide19.xml><?xml version="1.0" encoding="utf-8"?>
+<p:sld xmlns:a="http://schemas.openxmlformats.org/drawingml/2006/main" xmlns:r="http://schemas.openxmlformats.org/officeDocument/2006/relationships" xmlns:p="http://schemas.openxmlformats.org/presentationml/2006/main">
+  <p:cSld>
+    <p:spTree>
+      <p:nvGrpSpPr>
+        <p:cNvPr id="1" name=""/>
+        <p:cNvGrpSpPr/>
+        <p:nvPr/>
+      </p:nvGrpSpPr>
+      <p:grpSpPr>
+        <a:xfrm>
+          <a:off x="0" y="0"/>
+          <a:ext cx="0" cy="0"/>
+          <a:chOff x="0" y="0"/>
+          <a:chExt cx="0" cy="0"/>
+        </a:xfrm>
+      </p:grpSpPr>
+      <p:sp>
+        <p:nvSpPr>
+          <p:cNvPr id="2" name="Titre 1">
+            <a:extLst>
+              <a:ext uri="{FF2B5EF4-FFF2-40B4-BE49-F238E27FC236}">
+                <a16:creationId xmlns:a16="http://schemas.microsoft.com/office/drawing/2014/main" id="{35BA439C-F96C-DBD3-5BAA-FA9F2C6EB57E}"/>
+              </a:ext>
+            </a:extLst>
+          </p:cNvPr>
+          <p:cNvSpPr>
+            <a:spLocks noGrp="1"/>
+          </p:cNvSpPr>
+          <p:nvPr>
+            <p:ph type="title"/>
+          </p:nvPr>
+        </p:nvSpPr>
+        <p:spPr/>
+        <p:txBody>
+          <a:bodyPr/>
+          <a:lstStyle/>
+          <a:p>
+            <a:r>
+              <a:rPr lang="fr-FR" dirty="0"/>
+              <a:t>Le but</a:t>
+            </a:r>
+          </a:p>
+        </p:txBody>
+      </p:sp>
+      <p:sp>
+        <p:nvSpPr>
+          <p:cNvPr id="3" name="Espace réservé du contenu 2">
+            <a:extLst>
+              <a:ext uri="{FF2B5EF4-FFF2-40B4-BE49-F238E27FC236}">
+                <a16:creationId xmlns:a16="http://schemas.microsoft.com/office/drawing/2014/main" id="{13B9A791-C06A-BA60-A28F-DCDEFC6A6E0A}"/>
+              </a:ext>
+            </a:extLst>
+          </p:cNvPr>
+          <p:cNvSpPr>
+            <a:spLocks noGrp="1"/>
+          </p:cNvSpPr>
+          <p:nvPr>
+            <p:ph idx="1"/>
+          </p:nvPr>
+        </p:nvSpPr>
+        <p:spPr/>
+        <p:txBody>
+          <a:bodyPr/>
+          <a:lstStyle/>
+          <a:p>
+            <a:endParaRPr lang="fr-FR"/>
+          </a:p>
+        </p:txBody>
+      </p:sp>
+      <p:pic>
+        <p:nvPicPr>
+          <p:cNvPr id="5" name="Image 4">
+            <a:extLst>
+              <a:ext uri="{FF2B5EF4-FFF2-40B4-BE49-F238E27FC236}">
+                <a16:creationId xmlns:a16="http://schemas.microsoft.com/office/drawing/2014/main" id="{00898DD5-0B63-710E-7E37-BCA5596BACC6}"/>
+              </a:ext>
+            </a:extLst>
+          </p:cNvPr>
+          <p:cNvPicPr>
+            <a:picLocks noChangeAspect="1"/>
+          </p:cNvPicPr>
+          <p:nvPr/>
+        </p:nvPicPr>
+        <p:blipFill>
+          <a:blip r:embed="rId2"/>
+          <a:stretch>
+            <a:fillRect/>
+          </a:stretch>
+        </p:blipFill>
+        <p:spPr>
+          <a:xfrm>
+            <a:off x="539552" y="1268760"/>
+            <a:ext cx="8021961" cy="4680520"/>
+          </a:xfrm>
+          <a:prstGeom prst="rect">
+            <a:avLst/>
+          </a:prstGeom>
+        </p:spPr>
+      </p:pic>
+    </p:spTree>
+    <p:extLst>
+      <p:ext uri="{BB962C8B-B14F-4D97-AF65-F5344CB8AC3E}">
+        <p14:creationId xmlns:p14="http://schemas.microsoft.com/office/powerpoint/2010/main" val="3606882024"/>
       </p:ext>
     </p:extLst>
   </p:cSld>

--- a/ppt/IoT03-Electricity.pptx
+++ b/ppt/IoT03-Electricity.pptx
@@ -5,31 +5,39 @@
     <p:sldMasterId id="2147483653" r:id="rId1"/>
   </p:sldMasterIdLst>
   <p:notesMasterIdLst>
-    <p:notesMasterId r:id="rId21"/>
+    <p:notesMasterId r:id="rId29"/>
   </p:notesMasterIdLst>
   <p:handoutMasterIdLst>
-    <p:handoutMasterId r:id="rId22"/>
+    <p:handoutMasterId r:id="rId30"/>
   </p:handoutMasterIdLst>
   <p:sldIdLst>
     <p:sldId id="264" r:id="rId2"/>
     <p:sldId id="293" r:id="rId3"/>
     <p:sldId id="287" r:id="rId4"/>
-    <p:sldId id="294" r:id="rId5"/>
-    <p:sldId id="284" r:id="rId6"/>
-    <p:sldId id="285" r:id="rId7"/>
-    <p:sldId id="297" r:id="rId8"/>
-    <p:sldId id="286" r:id="rId9"/>
-    <p:sldId id="288" r:id="rId10"/>
-    <p:sldId id="289" r:id="rId11"/>
-    <p:sldId id="291" r:id="rId12"/>
-    <p:sldId id="290" r:id="rId13"/>
-    <p:sldId id="295" r:id="rId14"/>
-    <p:sldId id="296" r:id="rId15"/>
-    <p:sldId id="292" r:id="rId16"/>
-    <p:sldId id="300" r:id="rId17"/>
-    <p:sldId id="298" r:id="rId18"/>
-    <p:sldId id="299" r:id="rId19"/>
-    <p:sldId id="301" r:id="rId20"/>
+    <p:sldId id="304" r:id="rId5"/>
+    <p:sldId id="294" r:id="rId6"/>
+    <p:sldId id="305" r:id="rId7"/>
+    <p:sldId id="284" r:id="rId8"/>
+    <p:sldId id="285" r:id="rId9"/>
+    <p:sldId id="297" r:id="rId10"/>
+    <p:sldId id="286" r:id="rId11"/>
+    <p:sldId id="288" r:id="rId12"/>
+    <p:sldId id="307" r:id="rId13"/>
+    <p:sldId id="289" r:id="rId14"/>
+    <p:sldId id="291" r:id="rId15"/>
+    <p:sldId id="290" r:id="rId16"/>
+    <p:sldId id="295" r:id="rId17"/>
+    <p:sldId id="296" r:id="rId18"/>
+    <p:sldId id="292" r:id="rId19"/>
+    <p:sldId id="300" r:id="rId20"/>
+    <p:sldId id="303" r:id="rId21"/>
+    <p:sldId id="302" r:id="rId22"/>
+    <p:sldId id="306" r:id="rId23"/>
+    <p:sldId id="308" r:id="rId24"/>
+    <p:sldId id="309" r:id="rId25"/>
+    <p:sldId id="298" r:id="rId26"/>
+    <p:sldId id="299" r:id="rId27"/>
+    <p:sldId id="301" r:id="rId28"/>
   </p:sldIdLst>
   <p:sldSz cx="9144000" cy="6858000" type="screen4x3"/>
   <p:notesSz cx="6648450" cy="9782175"/>
@@ -3705,8 +3713,12 @@
           <a:p>
             <a:pPr eaLnBrk="1" hangingPunct="1"/>
             <a:r>
-              <a:rPr lang="fr-FR" altLang="fr-FR"/>
-              <a:t>Electricité</a:t>
+              <a:rPr lang="fr-FR" altLang="fr-FR" dirty="0"/>
+              <a:t>Les bases de l'</a:t>
+            </a:r>
+            <a:r>
+              <a:rPr lang="fr-FR" altLang="fr-FR" dirty="0" err="1"/>
+              <a:t>éléctronique</a:t>
             </a:r>
             <a:endParaRPr lang="fr-FR" altLang="fr-FR" dirty="0"/>
           </a:p>
@@ -3725,6 +3737,530 @@
 </file>
 
 <file path=ppt/slides/slide10.xml><?xml version="1.0" encoding="utf-8"?>
+<p:sld xmlns:a="http://schemas.openxmlformats.org/drawingml/2006/main" xmlns:r="http://schemas.openxmlformats.org/officeDocument/2006/relationships" xmlns:p="http://schemas.openxmlformats.org/presentationml/2006/main">
+  <p:cSld>
+    <p:spTree>
+      <p:nvGrpSpPr>
+        <p:cNvPr id="1" name=""/>
+        <p:cNvGrpSpPr/>
+        <p:nvPr/>
+      </p:nvGrpSpPr>
+      <p:grpSpPr>
+        <a:xfrm>
+          <a:off x="0" y="0"/>
+          <a:ext cx="0" cy="0"/>
+          <a:chOff x="0" y="0"/>
+          <a:chExt cx="0" cy="0"/>
+        </a:xfrm>
+      </p:grpSpPr>
+      <p:sp>
+        <p:nvSpPr>
+          <p:cNvPr id="2" name="Titre 1">
+            <a:extLst>
+              <a:ext uri="{FF2B5EF4-FFF2-40B4-BE49-F238E27FC236}">
+                <a16:creationId xmlns:a16="http://schemas.microsoft.com/office/drawing/2014/main" id="{49BA31C9-0516-70C7-50A2-F09F4666D9B7}"/>
+              </a:ext>
+            </a:extLst>
+          </p:cNvPr>
+          <p:cNvSpPr>
+            <a:spLocks noGrp="1"/>
+          </p:cNvSpPr>
+          <p:nvPr>
+            <p:ph type="title"/>
+          </p:nvPr>
+        </p:nvSpPr>
+        <p:spPr/>
+        <p:txBody>
+          <a:bodyPr/>
+          <a:lstStyle/>
+          <a:p>
+            <a:r>
+              <a:rPr lang="fr-FR" dirty="0"/>
+              <a:t>Diode</a:t>
+            </a:r>
+          </a:p>
+        </p:txBody>
+      </p:sp>
+      <p:sp>
+        <p:nvSpPr>
+          <p:cNvPr id="3" name="Espace réservé du contenu 2">
+            <a:extLst>
+              <a:ext uri="{FF2B5EF4-FFF2-40B4-BE49-F238E27FC236}">
+                <a16:creationId xmlns:a16="http://schemas.microsoft.com/office/drawing/2014/main" id="{713AA39F-DA38-EA67-6775-E40FE7049E89}"/>
+              </a:ext>
+            </a:extLst>
+          </p:cNvPr>
+          <p:cNvSpPr>
+            <a:spLocks noGrp="1"/>
+          </p:cNvSpPr>
+          <p:nvPr>
+            <p:ph idx="1"/>
+          </p:nvPr>
+        </p:nvSpPr>
+        <p:spPr/>
+        <p:txBody>
+          <a:bodyPr/>
+          <a:lstStyle/>
+          <a:p>
+            <a:r>
+              <a:rPr lang="fr-FR" dirty="0"/>
+              <a:t>Semi-conducteur</a:t>
+            </a:r>
+          </a:p>
+          <a:p>
+            <a:pPr lvl="1"/>
+            <a:r>
+              <a:rPr lang="fr-FR" dirty="0"/>
+              <a:t>Ne laisse passer le courant que dans un sens</a:t>
+            </a:r>
+          </a:p>
+          <a:p>
+            <a:pPr lvl="1"/>
+            <a:endParaRPr lang="fr-FR" dirty="0"/>
+          </a:p>
+          <a:p>
+            <a:pPr lvl="1"/>
+            <a:endParaRPr lang="fr-FR" dirty="0"/>
+          </a:p>
+          <a:p>
+            <a:pPr lvl="1"/>
+            <a:endParaRPr lang="fr-FR" dirty="0"/>
+          </a:p>
+          <a:p>
+            <a:pPr lvl="1"/>
+            <a:endParaRPr lang="fr-FR" dirty="0"/>
+          </a:p>
+          <a:p>
+            <a:pPr lvl="1"/>
+            <a:r>
+              <a:rPr lang="fr-FR" dirty="0"/>
+              <a:t>Chute de tension d'environ 0.7v à basse tension</a:t>
+            </a:r>
+          </a:p>
+        </p:txBody>
+      </p:sp>
+      <p:pic>
+        <p:nvPicPr>
+          <p:cNvPr id="5" name="Image 4">
+            <a:extLst>
+              <a:ext uri="{FF2B5EF4-FFF2-40B4-BE49-F238E27FC236}">
+                <a16:creationId xmlns:a16="http://schemas.microsoft.com/office/drawing/2014/main" id="{806E760E-F863-685F-24FD-192B9454729C}"/>
+              </a:ext>
+            </a:extLst>
+          </p:cNvPr>
+          <p:cNvPicPr>
+            <a:picLocks noChangeAspect="1"/>
+          </p:cNvPicPr>
+          <p:nvPr/>
+        </p:nvPicPr>
+        <p:blipFill>
+          <a:blip r:embed="rId2"/>
+          <a:stretch>
+            <a:fillRect/>
+          </a:stretch>
+        </p:blipFill>
+        <p:spPr>
+          <a:xfrm>
+            <a:off x="3314588" y="3057473"/>
+            <a:ext cx="2495898" cy="743054"/>
+          </a:xfrm>
+          <a:prstGeom prst="rect">
+            <a:avLst/>
+          </a:prstGeom>
+        </p:spPr>
+      </p:pic>
+    </p:spTree>
+    <p:extLst>
+      <p:ext uri="{BB962C8B-B14F-4D97-AF65-F5344CB8AC3E}">
+        <p14:creationId xmlns:p14="http://schemas.microsoft.com/office/powerpoint/2010/main" val="2586237269"/>
+      </p:ext>
+    </p:extLst>
+  </p:cSld>
+  <p:clrMapOvr>
+    <a:masterClrMapping/>
+  </p:clrMapOvr>
+</p:sld>
+</file>
+
+<file path=ppt/slides/slide11.xml><?xml version="1.0" encoding="utf-8"?>
+<p:sld xmlns:a="http://schemas.openxmlformats.org/drawingml/2006/main" xmlns:r="http://schemas.openxmlformats.org/officeDocument/2006/relationships" xmlns:p="http://schemas.openxmlformats.org/presentationml/2006/main">
+  <p:cSld>
+    <p:spTree>
+      <p:nvGrpSpPr>
+        <p:cNvPr id="1" name=""/>
+        <p:cNvGrpSpPr/>
+        <p:nvPr/>
+      </p:nvGrpSpPr>
+      <p:grpSpPr>
+        <a:xfrm>
+          <a:off x="0" y="0"/>
+          <a:ext cx="0" cy="0"/>
+          <a:chOff x="0" y="0"/>
+          <a:chExt cx="0" cy="0"/>
+        </a:xfrm>
+      </p:grpSpPr>
+      <p:sp>
+        <p:nvSpPr>
+          <p:cNvPr id="2" name="Titre 1">
+            <a:extLst>
+              <a:ext uri="{FF2B5EF4-FFF2-40B4-BE49-F238E27FC236}">
+                <a16:creationId xmlns:a16="http://schemas.microsoft.com/office/drawing/2014/main" id="{B33DDEB9-80B0-4B4C-09B3-4A7A9A7A4D6D}"/>
+              </a:ext>
+            </a:extLst>
+          </p:cNvPr>
+          <p:cNvSpPr>
+            <a:spLocks noGrp="1"/>
+          </p:cNvSpPr>
+          <p:nvPr>
+            <p:ph type="title"/>
+          </p:nvPr>
+        </p:nvSpPr>
+        <p:spPr/>
+        <p:txBody>
+          <a:bodyPr/>
+          <a:lstStyle/>
+          <a:p>
+            <a:r>
+              <a:rPr lang="fr-FR" dirty="0"/>
+              <a:t>Pont de diode</a:t>
+            </a:r>
+          </a:p>
+        </p:txBody>
+      </p:sp>
+      <p:pic>
+        <p:nvPicPr>
+          <p:cNvPr id="4098" name="Picture 2" descr="Pont de diodes — Wikipédia">
+            <a:extLst>
+              <a:ext uri="{FF2B5EF4-FFF2-40B4-BE49-F238E27FC236}">
+                <a16:creationId xmlns:a16="http://schemas.microsoft.com/office/drawing/2014/main" id="{25B6B5B3-9CDF-AFB5-1A2E-2C27C7EE4798}"/>
+              </a:ext>
+            </a:extLst>
+          </p:cNvPr>
+          <p:cNvPicPr>
+            <a:picLocks noGrp="1" noChangeAspect="1" noChangeArrowheads="1"/>
+          </p:cNvPicPr>
+          <p:nvPr>
+            <p:ph idx="1"/>
+          </p:nvPr>
+        </p:nvPicPr>
+        <p:blipFill>
+          <a:blip r:embed="rId2">
+            <a:extLst>
+              <a:ext uri="{28A0092B-C50C-407E-A947-70E740481C1C}">
+                <a14:useLocalDpi xmlns:a14="http://schemas.microsoft.com/office/drawing/2010/main" val="0"/>
+              </a:ext>
+            </a:extLst>
+          </a:blip>
+          <a:srcRect/>
+          <a:stretch>
+            <a:fillRect/>
+          </a:stretch>
+        </p:blipFill>
+        <p:spPr bwMode="auto">
+          <a:xfrm>
+            <a:off x="2245096" y="1132904"/>
+            <a:ext cx="4847183" cy="2908310"/>
+          </a:xfrm>
+          <a:prstGeom prst="rect">
+            <a:avLst/>
+          </a:prstGeom>
+          <a:noFill/>
+          <a:extLst>
+            <a:ext uri="{909E8E84-426E-40DD-AFC4-6F175D3DCCD1}">
+              <a14:hiddenFill xmlns:a14="http://schemas.microsoft.com/office/drawing/2010/main">
+                <a:solidFill>
+                  <a:srgbClr val="FFFFFF"/>
+                </a:solidFill>
+              </a14:hiddenFill>
+            </a:ext>
+          </a:extLst>
+        </p:spPr>
+      </p:pic>
+      <p:pic>
+        <p:nvPicPr>
+          <p:cNvPr id="4100" name="Picture 4" descr="Pont de diodes — Wikipédia">
+            <a:extLst>
+              <a:ext uri="{FF2B5EF4-FFF2-40B4-BE49-F238E27FC236}">
+                <a16:creationId xmlns:a16="http://schemas.microsoft.com/office/drawing/2014/main" id="{2016B094-3AE8-1E4D-F9A9-75487C8D7713}"/>
+              </a:ext>
+            </a:extLst>
+          </p:cNvPr>
+          <p:cNvPicPr>
+            <a:picLocks noChangeAspect="1" noChangeArrowheads="1"/>
+          </p:cNvPicPr>
+          <p:nvPr/>
+        </p:nvPicPr>
+        <p:blipFill>
+          <a:blip r:embed="rId3">
+            <a:extLst>
+              <a:ext uri="{28A0092B-C50C-407E-A947-70E740481C1C}">
+                <a14:useLocalDpi xmlns:a14="http://schemas.microsoft.com/office/drawing/2010/main" val="0"/>
+              </a:ext>
+            </a:extLst>
+          </a:blip>
+          <a:srcRect/>
+          <a:stretch>
+            <a:fillRect/>
+          </a:stretch>
+        </p:blipFill>
+        <p:spPr bwMode="auto">
+          <a:xfrm>
+            <a:off x="3203848" y="4221088"/>
+            <a:ext cx="2952328" cy="2097707"/>
+          </a:xfrm>
+          <a:prstGeom prst="rect">
+            <a:avLst/>
+          </a:prstGeom>
+          <a:noFill/>
+          <a:extLst>
+            <a:ext uri="{909E8E84-426E-40DD-AFC4-6F175D3DCCD1}">
+              <a14:hiddenFill xmlns:a14="http://schemas.microsoft.com/office/drawing/2010/main">
+                <a:solidFill>
+                  <a:srgbClr val="FFFFFF"/>
+                </a:solidFill>
+              </a14:hiddenFill>
+            </a:ext>
+          </a:extLst>
+        </p:spPr>
+      </p:pic>
+    </p:spTree>
+    <p:extLst>
+      <p:ext uri="{BB962C8B-B14F-4D97-AF65-F5344CB8AC3E}">
+        <p14:creationId xmlns:p14="http://schemas.microsoft.com/office/powerpoint/2010/main" val="3376971856"/>
+      </p:ext>
+    </p:extLst>
+  </p:cSld>
+  <p:clrMapOvr>
+    <a:masterClrMapping/>
+  </p:clrMapOvr>
+</p:sld>
+</file>
+
+<file path=ppt/slides/slide12.xml><?xml version="1.0" encoding="utf-8"?>
+<p:sld xmlns:a="http://schemas.openxmlformats.org/drawingml/2006/main" xmlns:r="http://schemas.openxmlformats.org/officeDocument/2006/relationships" xmlns:p="http://schemas.openxmlformats.org/presentationml/2006/main">
+  <p:cSld>
+    <p:spTree>
+      <p:nvGrpSpPr>
+        <p:cNvPr id="1" name=""/>
+        <p:cNvGrpSpPr/>
+        <p:nvPr/>
+      </p:nvGrpSpPr>
+      <p:grpSpPr>
+        <a:xfrm>
+          <a:off x="0" y="0"/>
+          <a:ext cx="0" cy="0"/>
+          <a:chOff x="0" y="0"/>
+          <a:chExt cx="0" cy="0"/>
+        </a:xfrm>
+      </p:grpSpPr>
+      <p:sp>
+        <p:nvSpPr>
+          <p:cNvPr id="2" name="Titre 1">
+            <a:extLst>
+              <a:ext uri="{FF2B5EF4-FFF2-40B4-BE49-F238E27FC236}">
+                <a16:creationId xmlns:a16="http://schemas.microsoft.com/office/drawing/2014/main" id="{B2B1267D-AB8C-5F0F-E09A-C87AE9311F78}"/>
+              </a:ext>
+            </a:extLst>
+          </p:cNvPr>
+          <p:cNvSpPr>
+            <a:spLocks noGrp="1"/>
+          </p:cNvSpPr>
+          <p:nvPr>
+            <p:ph type="title"/>
+          </p:nvPr>
+        </p:nvSpPr>
+        <p:spPr/>
+        <p:txBody>
+          <a:bodyPr/>
+          <a:lstStyle/>
+          <a:p>
+            <a:r>
+              <a:rPr lang="fr-FR" dirty="0" err="1"/>
+              <a:t>Led</a:t>
+            </a:r>
+            <a:endParaRPr lang="fr-FR" dirty="0"/>
+          </a:p>
+        </p:txBody>
+      </p:sp>
+      <p:sp>
+        <p:nvSpPr>
+          <p:cNvPr id="3" name="Espace réservé du contenu 2">
+            <a:extLst>
+              <a:ext uri="{FF2B5EF4-FFF2-40B4-BE49-F238E27FC236}">
+                <a16:creationId xmlns:a16="http://schemas.microsoft.com/office/drawing/2014/main" id="{10A14A0D-4A38-F07A-81C0-540BCD0F4232}"/>
+              </a:ext>
+            </a:extLst>
+          </p:cNvPr>
+          <p:cNvSpPr>
+            <a:spLocks noGrp="1"/>
+          </p:cNvSpPr>
+          <p:nvPr>
+            <p:ph idx="1"/>
+          </p:nvPr>
+        </p:nvSpPr>
+        <p:spPr/>
+        <p:txBody>
+          <a:bodyPr/>
+          <a:lstStyle/>
+          <a:p>
+            <a:r>
+              <a:rPr lang="fr-FR" dirty="0"/>
+              <a:t>Diode Electroluminescente</a:t>
+            </a:r>
+          </a:p>
+          <a:p>
+            <a:pPr lvl="1"/>
+            <a:r>
+              <a:rPr lang="fr-FR" dirty="0"/>
+              <a:t>Light </a:t>
+            </a:r>
+            <a:r>
+              <a:rPr lang="fr-FR" dirty="0" err="1"/>
+              <a:t>Emitting</a:t>
+            </a:r>
+            <a:r>
+              <a:rPr lang="fr-FR" dirty="0"/>
+              <a:t> Diode</a:t>
+            </a:r>
+          </a:p>
+          <a:p>
+            <a:pPr lvl="1"/>
+            <a:r>
+              <a:rPr lang="fr-FR" dirty="0"/>
+              <a:t>C'est une diode !</a:t>
+            </a:r>
+          </a:p>
+          <a:p>
+            <a:r>
+              <a:rPr lang="fr-FR" dirty="0"/>
+              <a:t>La </a:t>
+            </a:r>
+            <a:r>
+              <a:rPr lang="fr-FR" dirty="0" err="1"/>
+              <a:t>Led</a:t>
+            </a:r>
+            <a:r>
+              <a:rPr lang="fr-FR" dirty="0"/>
+              <a:t> est une diode qui émet de la lumière</a:t>
+            </a:r>
+          </a:p>
+          <a:p>
+            <a:pPr lvl="1"/>
+            <a:r>
+              <a:rPr lang="fr-FR" dirty="0"/>
+              <a:t>Tension de fonctionnement de ~2v (</a:t>
+            </a:r>
+            <a:r>
+              <a:rPr lang="fr-FR" dirty="0" err="1"/>
+              <a:t>red</a:t>
+            </a:r>
+            <a:r>
+              <a:rPr lang="fr-FR" dirty="0"/>
+              <a:t>) ou ~3v (</a:t>
+            </a:r>
+            <a:r>
+              <a:rPr lang="fr-FR"/>
+              <a:t>blue)</a:t>
+            </a:r>
+            <a:endParaRPr lang="fr-FR" dirty="0"/>
+          </a:p>
+          <a:p>
+            <a:pPr lvl="1"/>
+            <a:r>
+              <a:rPr lang="fr-FR" dirty="0"/>
+              <a:t>Ne fonctionne pas en 5v</a:t>
+            </a:r>
+          </a:p>
+          <a:p>
+            <a:pPr lvl="1"/>
+            <a:r>
+              <a:rPr lang="fr-FR" dirty="0"/>
+              <a:t>Nécessite une résistance</a:t>
+            </a:r>
+          </a:p>
+          <a:p>
+            <a:pPr lvl="1"/>
+            <a:endParaRPr lang="fr-FR" dirty="0"/>
+          </a:p>
+          <a:p>
+            <a:endParaRPr lang="fr-FR" dirty="0"/>
+          </a:p>
+        </p:txBody>
+      </p:sp>
+      <p:pic>
+        <p:nvPicPr>
+          <p:cNvPr id="5" name="Image 4">
+            <a:extLst>
+              <a:ext uri="{FF2B5EF4-FFF2-40B4-BE49-F238E27FC236}">
+                <a16:creationId xmlns:a16="http://schemas.microsoft.com/office/drawing/2014/main" id="{094363AF-0FD6-6EE2-387E-F62CF71346EC}"/>
+              </a:ext>
+            </a:extLst>
+          </p:cNvPr>
+          <p:cNvPicPr>
+            <a:picLocks noChangeAspect="1"/>
+          </p:cNvPicPr>
+          <p:nvPr/>
+        </p:nvPicPr>
+        <p:blipFill>
+          <a:blip r:embed="rId2"/>
+          <a:stretch>
+            <a:fillRect/>
+          </a:stretch>
+        </p:blipFill>
+        <p:spPr>
+          <a:xfrm>
+            <a:off x="6804248" y="287067"/>
+            <a:ext cx="1600423" cy="2124371"/>
+          </a:xfrm>
+          <a:prstGeom prst="rect">
+            <a:avLst/>
+          </a:prstGeom>
+        </p:spPr>
+      </p:pic>
+      <p:pic>
+        <p:nvPicPr>
+          <p:cNvPr id="7" name="Image 6">
+            <a:extLst>
+              <a:ext uri="{FF2B5EF4-FFF2-40B4-BE49-F238E27FC236}">
+                <a16:creationId xmlns:a16="http://schemas.microsoft.com/office/drawing/2014/main" id="{1048A2B9-5EF4-761F-2D8E-E7A5F4C6546B}"/>
+              </a:ext>
+            </a:extLst>
+          </p:cNvPr>
+          <p:cNvPicPr>
+            <a:picLocks noChangeAspect="1"/>
+          </p:cNvPicPr>
+          <p:nvPr/>
+        </p:nvPicPr>
+        <p:blipFill>
+          <a:blip r:embed="rId3"/>
+          <a:stretch>
+            <a:fillRect/>
+          </a:stretch>
+        </p:blipFill>
+        <p:spPr>
+          <a:xfrm>
+            <a:off x="4139952" y="4817257"/>
+            <a:ext cx="4633999" cy="1275757"/>
+          </a:xfrm>
+          <a:prstGeom prst="rect">
+            <a:avLst/>
+          </a:prstGeom>
+        </p:spPr>
+      </p:pic>
+    </p:spTree>
+    <p:extLst>
+      <p:ext uri="{BB962C8B-B14F-4D97-AF65-F5344CB8AC3E}">
+        <p14:creationId xmlns:p14="http://schemas.microsoft.com/office/powerpoint/2010/main" val="3590743786"/>
+      </p:ext>
+    </p:extLst>
+  </p:cSld>
+  <p:clrMapOvr>
+    <a:masterClrMapping/>
+  </p:clrMapOvr>
+</p:sld>
+</file>
+
+<file path=ppt/slides/slide13.xml><?xml version="1.0" encoding="utf-8"?>
 <p:sld xmlns:a="http://schemas.openxmlformats.org/drawingml/2006/main" xmlns:r="http://schemas.openxmlformats.org/officeDocument/2006/relationships" xmlns:p="http://schemas.openxmlformats.org/presentationml/2006/main">
   <p:cSld>
     <p:spTree>
@@ -3847,7 +4383,7 @@
 </p:sld>
 </file>
 
-<file path=ppt/slides/slide11.xml><?xml version="1.0" encoding="utf-8"?>
+<file path=ppt/slides/slide14.xml><?xml version="1.0" encoding="utf-8"?>
 <p:sld xmlns:a="http://schemas.openxmlformats.org/drawingml/2006/main" xmlns:r="http://schemas.openxmlformats.org/officeDocument/2006/relationships" xmlns:p="http://schemas.openxmlformats.org/presentationml/2006/main">
   <p:cSld>
     <p:spTree>
@@ -3954,7 +4490,7 @@
 </p:sld>
 </file>
 
-<file path=ppt/slides/slide12.xml><?xml version="1.0" encoding="utf-8"?>
+<file path=ppt/slides/slide15.xml><?xml version="1.0" encoding="utf-8"?>
 <p:sld xmlns:a="http://schemas.openxmlformats.org/drawingml/2006/main" xmlns:r="http://schemas.openxmlformats.org/officeDocument/2006/relationships" xmlns:p="http://schemas.openxmlformats.org/presentationml/2006/main">
   <p:cSld>
     <p:spTree>
@@ -4125,7 +4661,7 @@
 </p:sld>
 </file>
 
-<file path=ppt/slides/slide13.xml><?xml version="1.0" encoding="utf-8"?>
+<file path=ppt/slides/slide16.xml><?xml version="1.0" encoding="utf-8"?>
 <p:sld xmlns:a="http://schemas.openxmlformats.org/drawingml/2006/main" xmlns:r="http://schemas.openxmlformats.org/officeDocument/2006/relationships" xmlns:p="http://schemas.openxmlformats.org/presentationml/2006/main">
   <p:cSld>
     <p:spTree>
@@ -4255,7 +4791,7 @@
 </p:sld>
 </file>
 
-<file path=ppt/slides/slide14.xml><?xml version="1.0" encoding="utf-8"?>
+<file path=ppt/slides/slide17.xml><?xml version="1.0" encoding="utf-8"?>
 <p:sld xmlns:a="http://schemas.openxmlformats.org/drawingml/2006/main" xmlns:r="http://schemas.openxmlformats.org/officeDocument/2006/relationships" xmlns:p="http://schemas.openxmlformats.org/presentationml/2006/main">
   <p:cSld>
     <p:spTree>
@@ -4390,7 +4926,7 @@
 </p:sld>
 </file>
 
-<file path=ppt/slides/slide15.xml><?xml version="1.0" encoding="utf-8"?>
+<file path=ppt/slides/slide18.xml><?xml version="1.0" encoding="utf-8"?>
 <p:sld xmlns:a="http://schemas.openxmlformats.org/drawingml/2006/main" xmlns:r="http://schemas.openxmlformats.org/officeDocument/2006/relationships" xmlns:p="http://schemas.openxmlformats.org/presentationml/2006/main">
   <p:cSld>
     <p:spTree>
@@ -4569,7 +5105,7 @@
 </p:sld>
 </file>
 
-<file path=ppt/slides/slide16.xml><?xml version="1.0" encoding="utf-8"?>
+<file path=ppt/slides/slide19.xml><?xml version="1.0" encoding="utf-8"?>
 <p:sld xmlns:a="http://schemas.openxmlformats.org/drawingml/2006/main" xmlns:r="http://schemas.openxmlformats.org/officeDocument/2006/relationships" xmlns:p="http://schemas.openxmlformats.org/presentationml/2006/main">
   <p:cSld>
     <p:spTree>
@@ -4644,7 +5180,7 @@
             <a:pPr lvl="1"/>
             <a:r>
               <a:rPr lang="fr-FR" dirty="0"/>
-              <a:t>Il en existe plusieurs familles NPN, PNP</a:t>
+              <a:t>Il en existe plusieurs familles NPN, PNP, …</a:t>
             </a:r>
           </a:p>
           <a:p>
@@ -4664,6 +5200,13 @@
             <a:pPr lvl="1"/>
             <a:r>
               <a:rPr lang="fr-FR" dirty="0"/>
+              <a:t>Par défaut il est ouvert</a:t>
+            </a:r>
+          </a:p>
+          <a:p>
+            <a:pPr lvl="1"/>
+            <a:r>
+              <a:rPr lang="fr-FR" dirty="0"/>
               <a:t>Si C = HIGH ET B = HIGH =&gt; E = HIGH</a:t>
             </a:r>
           </a:p>
@@ -4675,24 +5218,15 @@
             </a:r>
           </a:p>
           <a:p>
-            <a:r>
-              <a:rPr lang="fr-FR" dirty="0"/>
-              <a:t>Les transistors sont généralement en 5V</a:t>
-            </a:r>
-          </a:p>
-          <a:p>
             <a:pPr lvl="1"/>
             <a:r>
               <a:rPr lang="fr-FR" dirty="0"/>
-              <a:t>Le seuil de déclenchement est généralement vers 2.5V</a:t>
+              <a:t>C'est une porte logique AND</a:t>
             </a:r>
           </a:p>
           <a:p>
             <a:pPr lvl="1"/>
-            <a:r>
-              <a:rPr lang="fr-FR" dirty="0"/>
-              <a:t>Il n'est pas parfait</a:t>
-            </a:r>
+            <a:endParaRPr lang="fr-FR" dirty="0"/>
           </a:p>
           <a:p>
             <a:endParaRPr lang="fr-FR" dirty="0"/>
@@ -4763,36 +5297,6 @@
           </a:prstGeom>
         </p:spPr>
       </p:pic>
-      <p:pic>
-        <p:nvPicPr>
-          <p:cNvPr id="9" name="Image 8">
-            <a:extLst>
-              <a:ext uri="{FF2B5EF4-FFF2-40B4-BE49-F238E27FC236}">
-                <a16:creationId xmlns:a16="http://schemas.microsoft.com/office/drawing/2014/main" id="{BC7A3AA9-0254-57FE-BE8A-CF6C919BB22F}"/>
-              </a:ext>
-            </a:extLst>
-          </p:cNvPr>
-          <p:cNvPicPr>
-            <a:picLocks noChangeAspect="1"/>
-          </p:cNvPicPr>
-          <p:nvPr/>
-        </p:nvPicPr>
-        <p:blipFill>
-          <a:blip r:embed="rId4"/>
-          <a:stretch>
-            <a:fillRect/>
-          </a:stretch>
-        </p:blipFill>
-        <p:spPr>
-          <a:xfrm>
-            <a:off x="6955690" y="5085184"/>
-            <a:ext cx="1569323" cy="1265959"/>
-          </a:xfrm>
-          <a:prstGeom prst="rect">
-            <a:avLst/>
-          </a:prstGeom>
-        </p:spPr>
-      </p:pic>
     </p:spTree>
     <p:extLst>
       <p:ext uri="{BB962C8B-B14F-4D97-AF65-F5344CB8AC3E}">
@@ -4806,7 +5310,7 @@
 </p:sld>
 </file>
 
-<file path=ppt/slides/slide17.xml><?xml version="1.0" encoding="utf-8"?>
+<file path=ppt/slides/slide2.xml><?xml version="1.0" encoding="utf-8"?>
 <p:sld xmlns:a="http://schemas.openxmlformats.org/drawingml/2006/main" xmlns:r="http://schemas.openxmlformats.org/officeDocument/2006/relationships" xmlns:p="http://schemas.openxmlformats.org/presentationml/2006/main">
   <p:cSld>
     <p:spTree>
@@ -4828,7 +5332,7 @@
           <p:cNvPr id="2" name="Titre 1">
             <a:extLst>
               <a:ext uri="{FF2B5EF4-FFF2-40B4-BE49-F238E27FC236}">
-                <a16:creationId xmlns:a16="http://schemas.microsoft.com/office/drawing/2014/main" id="{776B1F94-F58E-5FC4-AC82-3DC773D0B6E6}"/>
+                <a16:creationId xmlns:a16="http://schemas.microsoft.com/office/drawing/2014/main" id="{0905AA96-0247-83E5-F59E-1197901E0F8C}"/>
               </a:ext>
             </a:extLst>
           </p:cNvPr>
@@ -4845,44 +5349,18 @@
           <a:lstStyle/>
           <a:p>
             <a:r>
-              <a:rPr lang="fr-FR" dirty="0" err="1"/>
-              <a:t>Multimetre</a:t>
-            </a:r>
-            <a:endParaRPr lang="fr-FR" dirty="0"/>
-          </a:p>
-        </p:txBody>
-      </p:sp>
-      <p:sp>
-        <p:nvSpPr>
-          <p:cNvPr id="3" name="Espace réservé du contenu 2">
-            <a:extLst>
-              <a:ext uri="{FF2B5EF4-FFF2-40B4-BE49-F238E27FC236}">
-                <a16:creationId xmlns:a16="http://schemas.microsoft.com/office/drawing/2014/main" id="{B915E687-512C-0B05-3E0E-1F1916D757BA}"/>
-              </a:ext>
-            </a:extLst>
-          </p:cNvPr>
-          <p:cNvSpPr>
-            <a:spLocks noGrp="1"/>
-          </p:cNvSpPr>
-          <p:nvPr>
-            <p:ph idx="1"/>
-          </p:nvPr>
-        </p:nvSpPr>
-        <p:spPr/>
-        <p:txBody>
-          <a:bodyPr/>
-          <a:lstStyle/>
-          <a:p>
-            <a:endParaRPr lang="fr-FR"/>
+              <a:rPr lang="fr-FR" dirty="0"/>
+              <a:t>Circuit ouvert et fermé</a:t>
+            </a:r>
           </a:p>
         </p:txBody>
       </p:sp>
       <p:pic>
         <p:nvPicPr>
-          <p:cNvPr id="1026" name="Picture 2" descr="Guide d'utilisation du multimètre - eSpares Blog">
+          <p:cNvPr id="2052" name="Picture 4" descr="Circuit ouvert et circuit fermé Électricité Physique sciences de  l'éducation | Vecteur Premium">
             <a:extLst>
               <a:ext uri="{FF2B5EF4-FFF2-40B4-BE49-F238E27FC236}">
-                <a16:creationId xmlns:a16="http://schemas.microsoft.com/office/drawing/2014/main" id="{587D4B77-0218-E8CF-0D30-7D21366A05D6}"/>
+                <a16:creationId xmlns:a16="http://schemas.microsoft.com/office/drawing/2014/main" id="{CCF92695-E4BA-3D4E-5A07-730F8D6DDD3A}"/>
               </a:ext>
             </a:extLst>
           </p:cNvPr>
@@ -4906,8 +5384,55 @@
         </p:blipFill>
         <p:spPr bwMode="auto">
           <a:xfrm>
-            <a:off x="1907704" y="1273273"/>
-            <a:ext cx="6408712" cy="5367143"/>
+            <a:off x="1581212" y="789016"/>
+            <a:ext cx="5962650" cy="3581400"/>
+          </a:xfrm>
+          <a:prstGeom prst="rect">
+            <a:avLst/>
+          </a:prstGeom>
+          <a:noFill/>
+          <a:extLst>
+            <a:ext uri="{909E8E84-426E-40DD-AFC4-6F175D3DCCD1}">
+              <a14:hiddenFill xmlns:a14="http://schemas.microsoft.com/office/drawing/2010/main">
+                <a:solidFill>
+                  <a:srgbClr val="FFFFFF"/>
+                </a:solidFill>
+              </a14:hiddenFill>
+            </a:ext>
+          </a:extLst>
+        </p:spPr>
+      </p:pic>
+      <p:pic>
+        <p:nvPicPr>
+          <p:cNvPr id="2054" name="Picture 6" descr="Circuit electrique">
+            <a:extLst>
+              <a:ext uri="{FF2B5EF4-FFF2-40B4-BE49-F238E27FC236}">
+                <a16:creationId xmlns:a16="http://schemas.microsoft.com/office/drawing/2014/main" id="{91D9422A-D4A4-6087-A84E-8318C16FFA83}"/>
+              </a:ext>
+            </a:extLst>
+          </p:cNvPr>
+          <p:cNvPicPr>
+            <a:picLocks noChangeAspect="1" noChangeArrowheads="1"/>
+          </p:cNvPicPr>
+          <p:nvPr/>
+        </p:nvPicPr>
+        <p:blipFill>
+          <a:blip r:embed="rId3">
+            <a:extLst>
+              <a:ext uri="{28A0092B-C50C-407E-A947-70E740481C1C}">
+                <a14:useLocalDpi xmlns:a14="http://schemas.microsoft.com/office/drawing/2010/main" val="0"/>
+              </a:ext>
+            </a:extLst>
+          </a:blip>
+          <a:srcRect/>
+          <a:stretch>
+            <a:fillRect/>
+          </a:stretch>
+        </p:blipFill>
+        <p:spPr bwMode="auto">
+          <a:xfrm>
+            <a:off x="3343275" y="4549863"/>
+            <a:ext cx="2457450" cy="1724025"/>
           </a:xfrm>
           <a:prstGeom prst="rect">
             <a:avLst/>
@@ -4927,7 +5452,7 @@
     </p:spTree>
     <p:extLst>
       <p:ext uri="{BB962C8B-B14F-4D97-AF65-F5344CB8AC3E}">
-        <p14:creationId xmlns:p14="http://schemas.microsoft.com/office/powerpoint/2010/main" val="564175507"/>
+        <p14:creationId xmlns:p14="http://schemas.microsoft.com/office/powerpoint/2010/main" val="2407160521"/>
       </p:ext>
     </p:extLst>
   </p:cSld>
@@ -4937,7 +5462,1173 @@
 </p:sld>
 </file>
 
-<file path=ppt/slides/slide18.xml><?xml version="1.0" encoding="utf-8"?>
+<file path=ppt/slides/slide20.xml><?xml version="1.0" encoding="utf-8"?>
+<p:sld xmlns:a="http://schemas.openxmlformats.org/drawingml/2006/main" xmlns:r="http://schemas.openxmlformats.org/officeDocument/2006/relationships" xmlns:p="http://schemas.openxmlformats.org/presentationml/2006/main">
+  <p:cSld>
+    <p:spTree>
+      <p:nvGrpSpPr>
+        <p:cNvPr id="1" name="">
+          <a:extLst>
+            <a:ext uri="{FF2B5EF4-FFF2-40B4-BE49-F238E27FC236}">
+              <a16:creationId xmlns:a16="http://schemas.microsoft.com/office/drawing/2014/main" id="{5336FAE8-94EF-666C-B57B-C3007C7AF0B7}"/>
+            </a:ext>
+          </a:extLst>
+        </p:cNvPr>
+        <p:cNvGrpSpPr/>
+        <p:nvPr/>
+      </p:nvGrpSpPr>
+      <p:grpSpPr>
+        <a:xfrm>
+          <a:off x="0" y="0"/>
+          <a:ext cx="0" cy="0"/>
+          <a:chOff x="0" y="0"/>
+          <a:chExt cx="0" cy="0"/>
+        </a:xfrm>
+      </p:grpSpPr>
+      <p:sp>
+        <p:nvSpPr>
+          <p:cNvPr id="2" name="Titre 1">
+            <a:extLst>
+              <a:ext uri="{FF2B5EF4-FFF2-40B4-BE49-F238E27FC236}">
+                <a16:creationId xmlns:a16="http://schemas.microsoft.com/office/drawing/2014/main" id="{EB43E705-12EB-610F-1E51-47071335F950}"/>
+              </a:ext>
+            </a:extLst>
+          </p:cNvPr>
+          <p:cNvSpPr>
+            <a:spLocks noGrp="1"/>
+          </p:cNvSpPr>
+          <p:nvPr>
+            <p:ph type="title"/>
+          </p:nvPr>
+        </p:nvSpPr>
+        <p:spPr/>
+        <p:txBody>
+          <a:bodyPr/>
+          <a:lstStyle/>
+          <a:p>
+            <a:r>
+              <a:rPr lang="fr-FR" dirty="0"/>
+              <a:t>Transistor</a:t>
+            </a:r>
+          </a:p>
+        </p:txBody>
+      </p:sp>
+      <p:sp>
+        <p:nvSpPr>
+          <p:cNvPr id="3" name="Espace réservé du contenu 2">
+            <a:extLst>
+              <a:ext uri="{FF2B5EF4-FFF2-40B4-BE49-F238E27FC236}">
+                <a16:creationId xmlns:a16="http://schemas.microsoft.com/office/drawing/2014/main" id="{BC0D0ED2-021B-C7CE-2F42-29565E4B25CD}"/>
+              </a:ext>
+            </a:extLst>
+          </p:cNvPr>
+          <p:cNvSpPr>
+            <a:spLocks noGrp="1"/>
+          </p:cNvSpPr>
+          <p:nvPr>
+            <p:ph idx="1"/>
+          </p:nvPr>
+        </p:nvSpPr>
+        <p:spPr/>
+        <p:txBody>
+          <a:bodyPr/>
+          <a:lstStyle/>
+          <a:p>
+            <a:r>
+              <a:rPr lang="fr-FR" dirty="0"/>
+              <a:t>Un transistor est un semi conducteur</a:t>
+            </a:r>
+          </a:p>
+          <a:p>
+            <a:pPr lvl="1"/>
+            <a:r>
+              <a:rPr lang="fr-FR" dirty="0"/>
+              <a:t>Il en existe plusieurs familles NPN, PNP, …</a:t>
+            </a:r>
+          </a:p>
+          <a:p>
+            <a:r>
+              <a:rPr lang="fr-FR" dirty="0"/>
+              <a:t>Il agit comme un interrupteur électrique</a:t>
+            </a:r>
+          </a:p>
+          <a:p>
+            <a:pPr lvl="1"/>
+            <a:r>
+              <a:rPr lang="fr-FR" dirty="0"/>
+              <a:t>Sur un NPN</a:t>
+            </a:r>
+          </a:p>
+          <a:p>
+            <a:pPr lvl="1"/>
+            <a:r>
+              <a:rPr lang="fr-FR" dirty="0"/>
+              <a:t>Si C = HIGH ET B = HIGH =&gt; E = HIGH</a:t>
+            </a:r>
+          </a:p>
+          <a:p>
+            <a:pPr lvl="1"/>
+            <a:r>
+              <a:rPr lang="fr-FR" dirty="0"/>
+              <a:t>Si C = ANY ET B = LOW =&gt; E = LOW</a:t>
+            </a:r>
+          </a:p>
+          <a:p>
+            <a:endParaRPr lang="fr-FR" dirty="0"/>
+          </a:p>
+          <a:p>
+            <a:pPr lvl="1"/>
+            <a:endParaRPr lang="fr-FR" dirty="0"/>
+          </a:p>
+        </p:txBody>
+      </p:sp>
+      <p:pic>
+        <p:nvPicPr>
+          <p:cNvPr id="5" name="Image 4">
+            <a:extLst>
+              <a:ext uri="{FF2B5EF4-FFF2-40B4-BE49-F238E27FC236}">
+                <a16:creationId xmlns:a16="http://schemas.microsoft.com/office/drawing/2014/main" id="{E401D511-E7AC-BEE4-9A1C-0D96279137EF}"/>
+              </a:ext>
+            </a:extLst>
+          </p:cNvPr>
+          <p:cNvPicPr>
+            <a:picLocks noChangeAspect="1"/>
+          </p:cNvPicPr>
+          <p:nvPr/>
+        </p:nvPicPr>
+        <p:blipFill>
+          <a:blip r:embed="rId2"/>
+          <a:stretch>
+            <a:fillRect/>
+          </a:stretch>
+        </p:blipFill>
+        <p:spPr>
+          <a:xfrm>
+            <a:off x="7849904" y="1057266"/>
+            <a:ext cx="714475" cy="1495634"/>
+          </a:xfrm>
+          <a:prstGeom prst="rect">
+            <a:avLst/>
+          </a:prstGeom>
+        </p:spPr>
+      </p:pic>
+      <p:pic>
+        <p:nvPicPr>
+          <p:cNvPr id="7" name="Image 6">
+            <a:extLst>
+              <a:ext uri="{FF2B5EF4-FFF2-40B4-BE49-F238E27FC236}">
+                <a16:creationId xmlns:a16="http://schemas.microsoft.com/office/drawing/2014/main" id="{E11D1739-BCD4-8D47-824E-E3D338EC2B60}"/>
+              </a:ext>
+            </a:extLst>
+          </p:cNvPr>
+          <p:cNvPicPr>
+            <a:picLocks noChangeAspect="1"/>
+          </p:cNvPicPr>
+          <p:nvPr/>
+        </p:nvPicPr>
+        <p:blipFill>
+          <a:blip r:embed="rId3"/>
+          <a:stretch>
+            <a:fillRect/>
+          </a:stretch>
+        </p:blipFill>
+        <p:spPr>
+          <a:xfrm>
+            <a:off x="7740352" y="3429000"/>
+            <a:ext cx="933580" cy="1238423"/>
+          </a:xfrm>
+          <a:prstGeom prst="rect">
+            <a:avLst/>
+          </a:prstGeom>
+        </p:spPr>
+      </p:pic>
+      <p:pic>
+        <p:nvPicPr>
+          <p:cNvPr id="1026" name="Picture 2" descr="BJT - Bipolar Junction Transistors">
+            <a:extLst>
+              <a:ext uri="{FF2B5EF4-FFF2-40B4-BE49-F238E27FC236}">
+                <a16:creationId xmlns:a16="http://schemas.microsoft.com/office/drawing/2014/main" id="{DBDDC6B9-753F-C7EF-23CC-BCD1F6EB1797}"/>
+              </a:ext>
+            </a:extLst>
+          </p:cNvPr>
+          <p:cNvPicPr>
+            <a:picLocks noChangeAspect="1" noChangeArrowheads="1"/>
+          </p:cNvPicPr>
+          <p:nvPr/>
+        </p:nvPicPr>
+        <p:blipFill>
+          <a:blip r:embed="rId4">
+            <a:extLst>
+              <a:ext uri="{28A0092B-C50C-407E-A947-70E740481C1C}">
+                <a14:useLocalDpi xmlns:a14="http://schemas.microsoft.com/office/drawing/2010/main" val="0"/>
+              </a:ext>
+            </a:extLst>
+          </a:blip>
+          <a:srcRect/>
+          <a:stretch>
+            <a:fillRect/>
+          </a:stretch>
+        </p:blipFill>
+        <p:spPr bwMode="auto">
+          <a:xfrm>
+            <a:off x="0" y="857250"/>
+            <a:ext cx="9144000" cy="5143500"/>
+          </a:xfrm>
+          <a:prstGeom prst="rect">
+            <a:avLst/>
+          </a:prstGeom>
+          <a:noFill/>
+          <a:extLst>
+            <a:ext uri="{909E8E84-426E-40DD-AFC4-6F175D3DCCD1}">
+              <a14:hiddenFill xmlns:a14="http://schemas.microsoft.com/office/drawing/2010/main">
+                <a:solidFill>
+                  <a:srgbClr val="FFFFFF"/>
+                </a:solidFill>
+              </a14:hiddenFill>
+            </a:ext>
+          </a:extLst>
+        </p:spPr>
+      </p:pic>
+    </p:spTree>
+    <p:extLst>
+      <p:ext uri="{BB962C8B-B14F-4D97-AF65-F5344CB8AC3E}">
+        <p14:creationId xmlns:p14="http://schemas.microsoft.com/office/powerpoint/2010/main" val="360041044"/>
+      </p:ext>
+    </p:extLst>
+  </p:cSld>
+  <p:clrMapOvr>
+    <a:masterClrMapping/>
+  </p:clrMapOvr>
+</p:sld>
+</file>
+
+<file path=ppt/slides/slide21.xml><?xml version="1.0" encoding="utf-8"?>
+<p:sld xmlns:a="http://schemas.openxmlformats.org/drawingml/2006/main" xmlns:r="http://schemas.openxmlformats.org/officeDocument/2006/relationships" xmlns:p="http://schemas.openxmlformats.org/presentationml/2006/main">
+  <p:cSld>
+    <p:spTree>
+      <p:nvGrpSpPr>
+        <p:cNvPr id="1" name=""/>
+        <p:cNvGrpSpPr/>
+        <p:nvPr/>
+      </p:nvGrpSpPr>
+      <p:grpSpPr>
+        <a:xfrm>
+          <a:off x="0" y="0"/>
+          <a:ext cx="0" cy="0"/>
+          <a:chOff x="0" y="0"/>
+          <a:chExt cx="0" cy="0"/>
+        </a:xfrm>
+      </p:grpSpPr>
+      <p:sp>
+        <p:nvSpPr>
+          <p:cNvPr id="2" name="Titre 1">
+            <a:extLst>
+              <a:ext uri="{FF2B5EF4-FFF2-40B4-BE49-F238E27FC236}">
+                <a16:creationId xmlns:a16="http://schemas.microsoft.com/office/drawing/2014/main" id="{878DA864-651B-6B00-2770-C0EDF0048219}"/>
+              </a:ext>
+            </a:extLst>
+          </p:cNvPr>
+          <p:cNvSpPr>
+            <a:spLocks noGrp="1"/>
+          </p:cNvSpPr>
+          <p:nvPr>
+            <p:ph type="title"/>
+          </p:nvPr>
+        </p:nvSpPr>
+        <p:spPr/>
+        <p:txBody>
+          <a:bodyPr/>
+          <a:lstStyle/>
+          <a:p>
+            <a:r>
+              <a:rPr lang="fr-FR" dirty="0"/>
+              <a:t>Transistor</a:t>
+            </a:r>
+          </a:p>
+        </p:txBody>
+      </p:sp>
+      <p:sp>
+        <p:nvSpPr>
+          <p:cNvPr id="3" name="Espace réservé du contenu 2">
+            <a:extLst>
+              <a:ext uri="{FF2B5EF4-FFF2-40B4-BE49-F238E27FC236}">
+                <a16:creationId xmlns:a16="http://schemas.microsoft.com/office/drawing/2014/main" id="{1020EB42-EDF8-0DE1-DD46-781DE8131079}"/>
+              </a:ext>
+            </a:extLst>
+          </p:cNvPr>
+          <p:cNvSpPr>
+            <a:spLocks noGrp="1"/>
+          </p:cNvSpPr>
+          <p:nvPr>
+            <p:ph idx="1"/>
+          </p:nvPr>
+        </p:nvSpPr>
+        <p:spPr/>
+        <p:txBody>
+          <a:bodyPr/>
+          <a:lstStyle/>
+          <a:p>
+            <a:r>
+              <a:rPr lang="fr-FR" dirty="0"/>
+              <a:t>Sur un PNP</a:t>
+            </a:r>
+          </a:p>
+          <a:p>
+            <a:pPr lvl="1"/>
+            <a:r>
+              <a:rPr lang="fr-FR" dirty="0"/>
+              <a:t>B = LOW et C = HIGH =&gt; E = HIGH</a:t>
+            </a:r>
+          </a:p>
+          <a:p>
+            <a:pPr lvl="1"/>
+            <a:r>
+              <a:rPr lang="fr-FR" dirty="0"/>
+              <a:t>B = HIGH et C = LOW =&gt; E = LOW</a:t>
+            </a:r>
+          </a:p>
+          <a:p>
+            <a:pPr lvl="1"/>
+            <a:r>
+              <a:rPr lang="fr-FR" dirty="0"/>
+              <a:t>C'est une porte logique NOT</a:t>
+            </a:r>
+          </a:p>
+          <a:p>
+            <a:pPr lvl="1"/>
+            <a:r>
+              <a:rPr lang="fr-FR" dirty="0"/>
+              <a:t>Le OR nécessite 2 transistors</a:t>
+            </a:r>
+          </a:p>
+          <a:p>
+            <a:pPr lvl="1"/>
+            <a:r>
+              <a:rPr lang="fr-FR" dirty="0"/>
+              <a:t>Le XOR nécessite 3 transistors</a:t>
+            </a:r>
+          </a:p>
+          <a:p>
+            <a:r>
+              <a:rPr lang="fr-FR" dirty="0"/>
+              <a:t>Les transistors sont généralement en 5V</a:t>
+            </a:r>
+          </a:p>
+          <a:p>
+            <a:pPr lvl="1"/>
+            <a:r>
+              <a:rPr lang="fr-FR" dirty="0"/>
+              <a:t>Le seuil de déclenchement est généralement vers 2.5V</a:t>
+            </a:r>
+          </a:p>
+          <a:p>
+            <a:pPr lvl="1"/>
+            <a:r>
+              <a:rPr lang="fr-FR" dirty="0"/>
+              <a:t>Principe du semi-conducteur</a:t>
+            </a:r>
+          </a:p>
+          <a:p>
+            <a:pPr lvl="1"/>
+            <a:r>
+              <a:rPr lang="fr-FR" dirty="0"/>
+              <a:t>Autour de 2.5v</a:t>
+            </a:r>
+          </a:p>
+          <a:p>
+            <a:pPr lvl="1"/>
+            <a:r>
+              <a:rPr lang="fr-FR" dirty="0"/>
+              <a:t>Il se passe des choses peu prédictibles</a:t>
+            </a:r>
+          </a:p>
+          <a:p>
+            <a:endParaRPr lang="fr-FR" dirty="0"/>
+          </a:p>
+        </p:txBody>
+      </p:sp>
+      <p:pic>
+        <p:nvPicPr>
+          <p:cNvPr id="9" name="Image 8">
+            <a:extLst>
+              <a:ext uri="{FF2B5EF4-FFF2-40B4-BE49-F238E27FC236}">
+                <a16:creationId xmlns:a16="http://schemas.microsoft.com/office/drawing/2014/main" id="{BC7A3AA9-0254-57FE-BE8A-CF6C919BB22F}"/>
+              </a:ext>
+            </a:extLst>
+          </p:cNvPr>
+          <p:cNvPicPr>
+            <a:picLocks noChangeAspect="1"/>
+          </p:cNvPicPr>
+          <p:nvPr/>
+        </p:nvPicPr>
+        <p:blipFill>
+          <a:blip r:embed="rId2"/>
+          <a:stretch>
+            <a:fillRect/>
+          </a:stretch>
+        </p:blipFill>
+        <p:spPr>
+          <a:xfrm>
+            <a:off x="6955690" y="5085184"/>
+            <a:ext cx="1569323" cy="1265959"/>
+          </a:xfrm>
+          <a:prstGeom prst="rect">
+            <a:avLst/>
+          </a:prstGeom>
+        </p:spPr>
+      </p:pic>
+      <p:pic>
+        <p:nvPicPr>
+          <p:cNvPr id="5" name="Image 4">
+            <a:extLst>
+              <a:ext uri="{FF2B5EF4-FFF2-40B4-BE49-F238E27FC236}">
+                <a16:creationId xmlns:a16="http://schemas.microsoft.com/office/drawing/2014/main" id="{7B611501-0627-1532-2DEB-69992A07B067}"/>
+              </a:ext>
+            </a:extLst>
+          </p:cNvPr>
+          <p:cNvPicPr>
+            <a:picLocks noChangeAspect="1"/>
+          </p:cNvPicPr>
+          <p:nvPr/>
+        </p:nvPicPr>
+        <p:blipFill>
+          <a:blip r:embed="rId3"/>
+          <a:stretch>
+            <a:fillRect/>
+          </a:stretch>
+        </p:blipFill>
+        <p:spPr>
+          <a:xfrm>
+            <a:off x="7740351" y="826906"/>
+            <a:ext cx="905001" cy="1171739"/>
+          </a:xfrm>
+          <a:prstGeom prst="rect">
+            <a:avLst/>
+          </a:prstGeom>
+        </p:spPr>
+      </p:pic>
+    </p:spTree>
+    <p:extLst>
+      <p:ext uri="{BB962C8B-B14F-4D97-AF65-F5344CB8AC3E}">
+        <p14:creationId xmlns:p14="http://schemas.microsoft.com/office/powerpoint/2010/main" val="1052311763"/>
+      </p:ext>
+    </p:extLst>
+  </p:cSld>
+  <p:clrMapOvr>
+    <a:masterClrMapping/>
+  </p:clrMapOvr>
+</p:sld>
+</file>
+
+<file path=ppt/slides/slide22.xml><?xml version="1.0" encoding="utf-8"?>
+<p:sld xmlns:a="http://schemas.openxmlformats.org/drawingml/2006/main" xmlns:r="http://schemas.openxmlformats.org/officeDocument/2006/relationships" xmlns:p="http://schemas.openxmlformats.org/presentationml/2006/main">
+  <p:cSld>
+    <p:spTree>
+      <p:nvGrpSpPr>
+        <p:cNvPr id="1" name=""/>
+        <p:cNvGrpSpPr/>
+        <p:nvPr/>
+      </p:nvGrpSpPr>
+      <p:grpSpPr>
+        <a:xfrm>
+          <a:off x="0" y="0"/>
+          <a:ext cx="0" cy="0"/>
+          <a:chOff x="0" y="0"/>
+          <a:chExt cx="0" cy="0"/>
+        </a:xfrm>
+      </p:grpSpPr>
+      <p:sp>
+        <p:nvSpPr>
+          <p:cNvPr id="2" name="Titre 1">
+            <a:extLst>
+              <a:ext uri="{FF2B5EF4-FFF2-40B4-BE49-F238E27FC236}">
+                <a16:creationId xmlns:a16="http://schemas.microsoft.com/office/drawing/2014/main" id="{A3F2B158-35F8-964D-9CAC-D792A38C5DEC}"/>
+              </a:ext>
+            </a:extLst>
+          </p:cNvPr>
+          <p:cNvSpPr>
+            <a:spLocks noGrp="1"/>
+          </p:cNvSpPr>
+          <p:nvPr>
+            <p:ph type="title"/>
+          </p:nvPr>
+        </p:nvSpPr>
+        <p:spPr/>
+        <p:txBody>
+          <a:bodyPr/>
+          <a:lstStyle/>
+          <a:p>
+            <a:r>
+              <a:rPr lang="fr-FR" dirty="0"/>
+              <a:t>Courant de fuite</a:t>
+            </a:r>
+          </a:p>
+        </p:txBody>
+      </p:sp>
+      <p:sp>
+        <p:nvSpPr>
+          <p:cNvPr id="3" name="Espace réservé du contenu 2">
+            <a:extLst>
+              <a:ext uri="{FF2B5EF4-FFF2-40B4-BE49-F238E27FC236}">
+                <a16:creationId xmlns:a16="http://schemas.microsoft.com/office/drawing/2014/main" id="{EFC6F38B-2A5F-C737-7883-CB5861F0BD13}"/>
+              </a:ext>
+            </a:extLst>
+          </p:cNvPr>
+          <p:cNvSpPr>
+            <a:spLocks noGrp="1"/>
+          </p:cNvSpPr>
+          <p:nvPr>
+            <p:ph idx="1"/>
+          </p:nvPr>
+        </p:nvSpPr>
+        <p:spPr/>
+        <p:txBody>
+          <a:bodyPr/>
+          <a:lstStyle/>
+          <a:p>
+            <a:r>
+              <a:rPr lang="fr-FR" dirty="0"/>
+              <a:t>La masse, dans un circuit électrique, est la branche de référence des potentiels électriques = 0v (idéal)</a:t>
+            </a:r>
+          </a:p>
+          <a:p>
+            <a:r>
+              <a:rPr lang="fr-FR" dirty="0"/>
+              <a:t>Le courant de fuite est un courant qui s'écoule à travers un chemin non prévu</a:t>
+            </a:r>
+          </a:p>
+          <a:p>
+            <a:pPr lvl="1"/>
+            <a:r>
+              <a:rPr lang="fr-FR" dirty="0"/>
+              <a:t>Les dispositifs tels que des transistors ou des diodes laissent passer une petite quantité de courant électrique même quand ils sont en position fermée</a:t>
+            </a:r>
+          </a:p>
+          <a:p>
+            <a:pPr lvl="1"/>
+            <a:r>
+              <a:rPr lang="fr-FR" dirty="0"/>
+              <a:t>Nécessité d'avoir plus de courant que prévu</a:t>
+            </a:r>
+          </a:p>
+          <a:p>
+            <a:pPr lvl="1"/>
+            <a:r>
+              <a:rPr lang="fr-FR" dirty="0"/>
+              <a:t>Pour un circuit 5v il faut au minimum 5.1v voir 6v à 12v</a:t>
+            </a:r>
+          </a:p>
+          <a:p>
+            <a:pPr lvl="1"/>
+            <a:r>
+              <a:rPr lang="fr-FR" dirty="0"/>
+              <a:t>La somme des courants de fuite doit être &lt;&lt; 30ma</a:t>
+            </a:r>
+          </a:p>
+          <a:p>
+            <a:endParaRPr lang="fr-FR" dirty="0"/>
+          </a:p>
+        </p:txBody>
+      </p:sp>
+      <p:pic>
+        <p:nvPicPr>
+          <p:cNvPr id="5" name="Image 4">
+            <a:extLst>
+              <a:ext uri="{FF2B5EF4-FFF2-40B4-BE49-F238E27FC236}">
+                <a16:creationId xmlns:a16="http://schemas.microsoft.com/office/drawing/2014/main" id="{0101C9E5-BFA6-3A59-ECD0-F115B79C3515}"/>
+              </a:ext>
+            </a:extLst>
+          </p:cNvPr>
+          <p:cNvPicPr>
+            <a:picLocks noChangeAspect="1"/>
+          </p:cNvPicPr>
+          <p:nvPr/>
+        </p:nvPicPr>
+        <p:blipFill>
+          <a:blip r:embed="rId2"/>
+          <a:stretch>
+            <a:fillRect/>
+          </a:stretch>
+        </p:blipFill>
+        <p:spPr>
+          <a:xfrm>
+            <a:off x="7596336" y="427123"/>
+            <a:ext cx="962159" cy="857370"/>
+          </a:xfrm>
+          <a:prstGeom prst="rect">
+            <a:avLst/>
+          </a:prstGeom>
+        </p:spPr>
+      </p:pic>
+    </p:spTree>
+    <p:extLst>
+      <p:ext uri="{BB962C8B-B14F-4D97-AF65-F5344CB8AC3E}">
+        <p14:creationId xmlns:p14="http://schemas.microsoft.com/office/powerpoint/2010/main" val="2102477467"/>
+      </p:ext>
+    </p:extLst>
+  </p:cSld>
+  <p:clrMapOvr>
+    <a:masterClrMapping/>
+  </p:clrMapOvr>
+</p:sld>
+</file>
+
+<file path=ppt/slides/slide23.xml><?xml version="1.0" encoding="utf-8"?>
+<p:sld xmlns:a="http://schemas.openxmlformats.org/drawingml/2006/main" xmlns:r="http://schemas.openxmlformats.org/officeDocument/2006/relationships" xmlns:p="http://schemas.openxmlformats.org/presentationml/2006/main">
+  <p:cSld>
+    <p:spTree>
+      <p:nvGrpSpPr>
+        <p:cNvPr id="1" name=""/>
+        <p:cNvGrpSpPr/>
+        <p:nvPr/>
+      </p:nvGrpSpPr>
+      <p:grpSpPr>
+        <a:xfrm>
+          <a:off x="0" y="0"/>
+          <a:ext cx="0" cy="0"/>
+          <a:chOff x="0" y="0"/>
+          <a:chExt cx="0" cy="0"/>
+        </a:xfrm>
+      </p:grpSpPr>
+      <p:sp>
+        <p:nvSpPr>
+          <p:cNvPr id="2" name="Titre 1">
+            <a:extLst>
+              <a:ext uri="{FF2B5EF4-FFF2-40B4-BE49-F238E27FC236}">
+                <a16:creationId xmlns:a16="http://schemas.microsoft.com/office/drawing/2014/main" id="{27F2B888-6839-A07D-B42A-482C024194B5}"/>
+              </a:ext>
+            </a:extLst>
+          </p:cNvPr>
+          <p:cNvSpPr>
+            <a:spLocks noGrp="1"/>
+          </p:cNvSpPr>
+          <p:nvPr>
+            <p:ph type="title"/>
+          </p:nvPr>
+        </p:nvSpPr>
+        <p:spPr/>
+        <p:txBody>
+          <a:bodyPr/>
+          <a:lstStyle/>
+          <a:p>
+            <a:r>
+              <a:rPr lang="fr-FR" dirty="0"/>
+              <a:t>Protections thermiques</a:t>
+            </a:r>
+          </a:p>
+        </p:txBody>
+      </p:sp>
+      <p:sp>
+        <p:nvSpPr>
+          <p:cNvPr id="3" name="Espace réservé du contenu 2">
+            <a:extLst>
+              <a:ext uri="{FF2B5EF4-FFF2-40B4-BE49-F238E27FC236}">
+                <a16:creationId xmlns:a16="http://schemas.microsoft.com/office/drawing/2014/main" id="{5F5D4DB3-2617-BDE8-1BE4-04D768018AAC}"/>
+              </a:ext>
+            </a:extLst>
+          </p:cNvPr>
+          <p:cNvSpPr>
+            <a:spLocks noGrp="1"/>
+          </p:cNvSpPr>
+          <p:nvPr>
+            <p:ph idx="1"/>
+          </p:nvPr>
+        </p:nvSpPr>
+        <p:spPr/>
+        <p:txBody>
+          <a:bodyPr/>
+          <a:lstStyle/>
+          <a:p>
+            <a:r>
+              <a:rPr lang="fr-FR" dirty="0"/>
+              <a:t>Les </a:t>
+            </a:r>
+            <a:r>
+              <a:rPr lang="fr-FR" dirty="0" err="1"/>
+              <a:t>Arduinos</a:t>
+            </a:r>
+            <a:r>
+              <a:rPr lang="fr-FR" dirty="0"/>
+              <a:t> et autres </a:t>
+            </a:r>
+            <a:r>
+              <a:rPr lang="fr-FR" dirty="0" err="1"/>
+              <a:t>boards</a:t>
+            </a:r>
+            <a:r>
+              <a:rPr lang="fr-FR" dirty="0"/>
+              <a:t> ont des protections thermiques</a:t>
+            </a:r>
+          </a:p>
+          <a:p>
+            <a:pPr lvl="1"/>
+            <a:r>
+              <a:rPr lang="fr-FR" dirty="0"/>
+              <a:t>Afin d'éviter les courts circuits et les sur intensités</a:t>
+            </a:r>
+          </a:p>
+          <a:p>
+            <a:r>
+              <a:rPr lang="fr-FR" dirty="0"/>
+              <a:t>USB</a:t>
+            </a:r>
+          </a:p>
+          <a:p>
+            <a:pPr lvl="1"/>
+            <a:r>
+              <a:rPr lang="fr-FR" dirty="0"/>
+              <a:t>200mA</a:t>
+            </a:r>
+          </a:p>
+          <a:p>
+            <a:r>
+              <a:rPr lang="fr-FR" dirty="0"/>
+              <a:t>Alimentation</a:t>
+            </a:r>
+          </a:p>
+          <a:p>
+            <a:pPr lvl="1"/>
+            <a:r>
+              <a:rPr lang="fr-FR" dirty="0"/>
+              <a:t>500mA</a:t>
+            </a:r>
+          </a:p>
+          <a:p>
+            <a:r>
+              <a:rPr lang="fr-FR" dirty="0"/>
+              <a:t>Pins</a:t>
+            </a:r>
+          </a:p>
+          <a:p>
+            <a:pPr lvl="1"/>
+            <a:r>
+              <a:rPr lang="fr-FR" dirty="0"/>
+              <a:t>20mA</a:t>
+            </a:r>
+          </a:p>
+          <a:p>
+            <a:endParaRPr lang="fr-FR" dirty="0"/>
+          </a:p>
+          <a:p>
+            <a:pPr lvl="1"/>
+            <a:endParaRPr lang="fr-FR" dirty="0"/>
+          </a:p>
+        </p:txBody>
+      </p:sp>
+    </p:spTree>
+    <p:extLst>
+      <p:ext uri="{BB962C8B-B14F-4D97-AF65-F5344CB8AC3E}">
+        <p14:creationId xmlns:p14="http://schemas.microsoft.com/office/powerpoint/2010/main" val="3299799285"/>
+      </p:ext>
+    </p:extLst>
+  </p:cSld>
+  <p:clrMapOvr>
+    <a:masterClrMapping/>
+  </p:clrMapOvr>
+</p:sld>
+</file>
+
+<file path=ppt/slides/slide24.xml><?xml version="1.0" encoding="utf-8"?>
+<p:sld xmlns:a="http://schemas.openxmlformats.org/drawingml/2006/main" xmlns:r="http://schemas.openxmlformats.org/officeDocument/2006/relationships" xmlns:p="http://schemas.openxmlformats.org/presentationml/2006/main">
+  <p:cSld>
+    <p:spTree>
+      <p:nvGrpSpPr>
+        <p:cNvPr id="1" name=""/>
+        <p:cNvGrpSpPr/>
+        <p:nvPr/>
+      </p:nvGrpSpPr>
+      <p:grpSpPr>
+        <a:xfrm>
+          <a:off x="0" y="0"/>
+          <a:ext cx="0" cy="0"/>
+          <a:chOff x="0" y="0"/>
+          <a:chExt cx="0" cy="0"/>
+        </a:xfrm>
+      </p:grpSpPr>
+      <p:sp>
+        <p:nvSpPr>
+          <p:cNvPr id="2" name="Titre 1">
+            <a:extLst>
+              <a:ext uri="{FF2B5EF4-FFF2-40B4-BE49-F238E27FC236}">
+                <a16:creationId xmlns:a16="http://schemas.microsoft.com/office/drawing/2014/main" id="{F2B90E73-D877-01F1-8F9A-746B78F6C10F}"/>
+              </a:ext>
+            </a:extLst>
+          </p:cNvPr>
+          <p:cNvSpPr>
+            <a:spLocks noGrp="1"/>
+          </p:cNvSpPr>
+          <p:nvPr>
+            <p:ph type="title"/>
+          </p:nvPr>
+        </p:nvSpPr>
+        <p:spPr/>
+        <p:txBody>
+          <a:bodyPr/>
+          <a:lstStyle/>
+          <a:p>
+            <a:r>
+              <a:rPr lang="fr-FR" dirty="0"/>
+              <a:t>Régulateur de tension</a:t>
+            </a:r>
+          </a:p>
+        </p:txBody>
+      </p:sp>
+      <p:sp>
+        <p:nvSpPr>
+          <p:cNvPr id="3" name="Espace réservé du contenu 2">
+            <a:extLst>
+              <a:ext uri="{FF2B5EF4-FFF2-40B4-BE49-F238E27FC236}">
+                <a16:creationId xmlns:a16="http://schemas.microsoft.com/office/drawing/2014/main" id="{49F6DAEA-8F43-2D20-4978-A8BDEEAC8403}"/>
+              </a:ext>
+            </a:extLst>
+          </p:cNvPr>
+          <p:cNvSpPr>
+            <a:spLocks noGrp="1"/>
+          </p:cNvSpPr>
+          <p:nvPr>
+            <p:ph idx="1"/>
+          </p:nvPr>
+        </p:nvSpPr>
+        <p:spPr>
+          <a:xfrm>
+            <a:off x="179513" y="1412776"/>
+            <a:ext cx="6552728" cy="5040560"/>
+          </a:xfrm>
+        </p:spPr>
+        <p:txBody>
+          <a:bodyPr/>
+          <a:lstStyle/>
+          <a:p>
+            <a:r>
+              <a:rPr lang="fr-FR" dirty="0"/>
+              <a:t>Transforme du 6v à 9v en 5v</a:t>
+            </a:r>
+          </a:p>
+          <a:p>
+            <a:pPr lvl="1"/>
+            <a:r>
+              <a:rPr lang="fr-FR" dirty="0"/>
+              <a:t>Permet d'avoir une puissance + forte</a:t>
+            </a:r>
+          </a:p>
+          <a:p>
+            <a:pPr lvl="1"/>
+            <a:r>
+              <a:rPr lang="fr-FR" dirty="0"/>
+              <a:t>Utilisé par l'entrée VIN de l'Arduino</a:t>
+            </a:r>
+          </a:p>
+          <a:p>
+            <a:pPr lvl="1"/>
+            <a:r>
+              <a:rPr lang="fr-FR" dirty="0"/>
+              <a:t>Chauffe beaucoup</a:t>
+            </a:r>
+          </a:p>
+          <a:p>
+            <a:pPr lvl="1"/>
+            <a:r>
+              <a:rPr lang="fr-FR" dirty="0"/>
+              <a:t>Fragile si la puissance est proche du seuil max</a:t>
+            </a:r>
+          </a:p>
+          <a:p>
+            <a:pPr lvl="1"/>
+            <a:r>
+              <a:rPr lang="fr-FR" dirty="0"/>
+              <a:t>Le régulateur de l'Arduino est tout petit !</a:t>
+            </a:r>
+          </a:p>
+          <a:p>
+            <a:pPr lvl="1"/>
+            <a:r>
+              <a:rPr lang="fr-FR" dirty="0"/>
+              <a:t>Supporte mal la surchauffe</a:t>
+            </a:r>
+          </a:p>
+          <a:p>
+            <a:pPr lvl="1"/>
+            <a:r>
+              <a:rPr lang="fr-FR" dirty="0"/>
+              <a:t>Utilisation d'une alimentation externe</a:t>
+            </a:r>
+          </a:p>
+          <a:p>
+            <a:pPr lvl="1"/>
+            <a:endParaRPr lang="fr-FR" dirty="0"/>
+          </a:p>
+        </p:txBody>
+      </p:sp>
+      <p:pic>
+        <p:nvPicPr>
+          <p:cNvPr id="5" name="Image 4">
+            <a:extLst>
+              <a:ext uri="{FF2B5EF4-FFF2-40B4-BE49-F238E27FC236}">
+                <a16:creationId xmlns:a16="http://schemas.microsoft.com/office/drawing/2014/main" id="{25A89951-BC97-A3E0-6279-1E5E2C8C912E}"/>
+              </a:ext>
+            </a:extLst>
+          </p:cNvPr>
+          <p:cNvPicPr>
+            <a:picLocks noChangeAspect="1"/>
+          </p:cNvPicPr>
+          <p:nvPr/>
+        </p:nvPicPr>
+        <p:blipFill>
+          <a:blip r:embed="rId2"/>
+          <a:stretch>
+            <a:fillRect/>
+          </a:stretch>
+        </p:blipFill>
+        <p:spPr>
+          <a:xfrm>
+            <a:off x="6732240" y="1387008"/>
+            <a:ext cx="1638529" cy="4058216"/>
+          </a:xfrm>
+          <a:prstGeom prst="rect">
+            <a:avLst/>
+          </a:prstGeom>
+        </p:spPr>
+      </p:pic>
+    </p:spTree>
+    <p:extLst>
+      <p:ext uri="{BB962C8B-B14F-4D97-AF65-F5344CB8AC3E}">
+        <p14:creationId xmlns:p14="http://schemas.microsoft.com/office/powerpoint/2010/main" val="4170902953"/>
+      </p:ext>
+    </p:extLst>
+  </p:cSld>
+  <p:clrMapOvr>
+    <a:masterClrMapping/>
+  </p:clrMapOvr>
+</p:sld>
+</file>
+
+<file path=ppt/slides/slide25.xml><?xml version="1.0" encoding="utf-8"?>
+<p:sld xmlns:a="http://schemas.openxmlformats.org/drawingml/2006/main" xmlns:r="http://schemas.openxmlformats.org/officeDocument/2006/relationships" xmlns:p="http://schemas.openxmlformats.org/presentationml/2006/main">
+  <p:cSld>
+    <p:spTree>
+      <p:nvGrpSpPr>
+        <p:cNvPr id="1" name=""/>
+        <p:cNvGrpSpPr/>
+        <p:nvPr/>
+      </p:nvGrpSpPr>
+      <p:grpSpPr>
+        <a:xfrm>
+          <a:off x="0" y="0"/>
+          <a:ext cx="0" cy="0"/>
+          <a:chOff x="0" y="0"/>
+          <a:chExt cx="0" cy="0"/>
+        </a:xfrm>
+      </p:grpSpPr>
+      <p:sp>
+        <p:nvSpPr>
+          <p:cNvPr id="2" name="Titre 1">
+            <a:extLst>
+              <a:ext uri="{FF2B5EF4-FFF2-40B4-BE49-F238E27FC236}">
+                <a16:creationId xmlns:a16="http://schemas.microsoft.com/office/drawing/2014/main" id="{776B1F94-F58E-5FC4-AC82-3DC773D0B6E6}"/>
+              </a:ext>
+            </a:extLst>
+          </p:cNvPr>
+          <p:cNvSpPr>
+            <a:spLocks noGrp="1"/>
+          </p:cNvSpPr>
+          <p:nvPr>
+            <p:ph type="title"/>
+          </p:nvPr>
+        </p:nvSpPr>
+        <p:spPr/>
+        <p:txBody>
+          <a:bodyPr/>
+          <a:lstStyle/>
+          <a:p>
+            <a:r>
+              <a:rPr lang="fr-FR" dirty="0"/>
+              <a:t>Multimètre</a:t>
+            </a:r>
+          </a:p>
+        </p:txBody>
+      </p:sp>
+      <p:pic>
+        <p:nvPicPr>
+          <p:cNvPr id="1026" name="Picture 2" descr="Guide d'utilisation du multimètre - eSpares Blog">
+            <a:extLst>
+              <a:ext uri="{FF2B5EF4-FFF2-40B4-BE49-F238E27FC236}">
+                <a16:creationId xmlns:a16="http://schemas.microsoft.com/office/drawing/2014/main" id="{587D4B77-0218-E8CF-0D30-7D21366A05D6}"/>
+              </a:ext>
+            </a:extLst>
+          </p:cNvPr>
+          <p:cNvPicPr>
+            <a:picLocks noChangeAspect="1" noChangeArrowheads="1"/>
+          </p:cNvPicPr>
+          <p:nvPr/>
+        </p:nvPicPr>
+        <p:blipFill>
+          <a:blip r:embed="rId2">
+            <a:extLst>
+              <a:ext uri="{28A0092B-C50C-407E-A947-70E740481C1C}">
+                <a14:useLocalDpi xmlns:a14="http://schemas.microsoft.com/office/drawing/2010/main" val="0"/>
+              </a:ext>
+            </a:extLst>
+          </a:blip>
+          <a:srcRect/>
+          <a:stretch>
+            <a:fillRect/>
+          </a:stretch>
+        </p:blipFill>
+        <p:spPr bwMode="auto">
+          <a:xfrm>
+            <a:off x="4193560" y="1489881"/>
+            <a:ext cx="4984587" cy="4174472"/>
+          </a:xfrm>
+          <a:prstGeom prst="rect">
+            <a:avLst/>
+          </a:prstGeom>
+          <a:noFill/>
+          <a:extLst>
+            <a:ext uri="{909E8E84-426E-40DD-AFC4-6F175D3DCCD1}">
+              <a14:hiddenFill xmlns:a14="http://schemas.microsoft.com/office/drawing/2010/main">
+                <a:solidFill>
+                  <a:srgbClr val="FFFFFF"/>
+                </a:solidFill>
+              </a14:hiddenFill>
+            </a:ext>
+          </a:extLst>
+        </p:spPr>
+      </p:pic>
+      <p:pic>
+        <p:nvPicPr>
+          <p:cNvPr id="5" name="Image 4">
+            <a:extLst>
+              <a:ext uri="{FF2B5EF4-FFF2-40B4-BE49-F238E27FC236}">
+                <a16:creationId xmlns:a16="http://schemas.microsoft.com/office/drawing/2014/main" id="{74B12BC4-8FE3-5378-ED36-4AF4792942BB}"/>
+              </a:ext>
+            </a:extLst>
+          </p:cNvPr>
+          <p:cNvPicPr>
+            <a:picLocks noChangeAspect="1"/>
+          </p:cNvPicPr>
+          <p:nvPr/>
+        </p:nvPicPr>
+        <p:blipFill>
+          <a:blip r:embed="rId3"/>
+          <a:stretch>
+            <a:fillRect/>
+          </a:stretch>
+        </p:blipFill>
+        <p:spPr>
+          <a:xfrm>
+            <a:off x="2375756" y="1474654"/>
+            <a:ext cx="571580" cy="466790"/>
+          </a:xfrm>
+          <a:prstGeom prst="rect">
+            <a:avLst/>
+          </a:prstGeom>
+        </p:spPr>
+      </p:pic>
+      <p:sp>
+        <p:nvSpPr>
+          <p:cNvPr id="3" name="Espace réservé du contenu 2">
+            <a:extLst>
+              <a:ext uri="{FF2B5EF4-FFF2-40B4-BE49-F238E27FC236}">
+                <a16:creationId xmlns:a16="http://schemas.microsoft.com/office/drawing/2014/main" id="{B915E687-512C-0B05-3E0E-1F1916D757BA}"/>
+              </a:ext>
+            </a:extLst>
+          </p:cNvPr>
+          <p:cNvSpPr>
+            <a:spLocks noGrp="1"/>
+          </p:cNvSpPr>
+          <p:nvPr>
+            <p:ph idx="1"/>
+          </p:nvPr>
+        </p:nvSpPr>
+        <p:spPr>
+          <a:xfrm>
+            <a:off x="179512" y="1412776"/>
+            <a:ext cx="4392488" cy="5040560"/>
+          </a:xfrm>
+        </p:spPr>
+        <p:txBody>
+          <a:bodyPr/>
+          <a:lstStyle/>
+          <a:p>
+            <a:r>
+              <a:rPr lang="fr-FR" dirty="0"/>
+              <a:t>La position       est le test de continuité</a:t>
+            </a:r>
+          </a:p>
+          <a:p>
+            <a:pPr lvl="1"/>
+            <a:r>
+              <a:rPr lang="fr-FR" dirty="0"/>
+              <a:t>Il mesure la résistance nulle (continuité)</a:t>
+            </a:r>
+          </a:p>
+          <a:p>
+            <a:pPr lvl="1"/>
+            <a:r>
+              <a:rPr lang="fr-FR" dirty="0"/>
+              <a:t>Très utile</a:t>
+            </a:r>
+          </a:p>
+          <a:p>
+            <a:pPr lvl="1"/>
+            <a:r>
+              <a:rPr lang="fr-FR" dirty="0"/>
+              <a:t>En électronique on travail en courant continue en position         calibre 20</a:t>
+            </a:r>
+          </a:p>
+          <a:p>
+            <a:pPr lvl="1"/>
+            <a:r>
+              <a:rPr lang="fr-FR" dirty="0"/>
+              <a:t>Un oscilloscope peut être utilise pour les signaux liés aux horloges</a:t>
+            </a:r>
+          </a:p>
+        </p:txBody>
+      </p:sp>
+      <p:pic>
+        <p:nvPicPr>
+          <p:cNvPr id="9" name="Image 8">
+            <a:extLst>
+              <a:ext uri="{FF2B5EF4-FFF2-40B4-BE49-F238E27FC236}">
+                <a16:creationId xmlns:a16="http://schemas.microsoft.com/office/drawing/2014/main" id="{BFC6BF1C-1E37-A879-FEC4-DC842B2CBD73}"/>
+              </a:ext>
+            </a:extLst>
+          </p:cNvPr>
+          <p:cNvPicPr>
+            <a:picLocks noChangeAspect="1"/>
+          </p:cNvPicPr>
+          <p:nvPr/>
+        </p:nvPicPr>
+        <p:blipFill>
+          <a:blip r:embed="rId4"/>
+          <a:stretch>
+            <a:fillRect/>
+          </a:stretch>
+        </p:blipFill>
+        <p:spPr>
+          <a:xfrm>
+            <a:off x="2195736" y="4390028"/>
+            <a:ext cx="571580" cy="377459"/>
+          </a:xfrm>
+          <a:prstGeom prst="rect">
+            <a:avLst/>
+          </a:prstGeom>
+        </p:spPr>
+      </p:pic>
+    </p:spTree>
+    <p:extLst>
+      <p:ext uri="{BB962C8B-B14F-4D97-AF65-F5344CB8AC3E}">
+        <p14:creationId xmlns:p14="http://schemas.microsoft.com/office/powerpoint/2010/main" val="279504078"/>
+      </p:ext>
+    </p:extLst>
+  </p:cSld>
+  <p:clrMapOvr>
+    <a:masterClrMapping/>
+  </p:clrMapOvr>
+</p:sld>
+</file>
+
+<file path=ppt/slides/slide26.xml><?xml version="1.0" encoding="utf-8"?>
 <p:sld xmlns:a="http://schemas.openxmlformats.org/drawingml/2006/main" xmlns:r="http://schemas.openxmlformats.org/officeDocument/2006/relationships" xmlns:p="http://schemas.openxmlformats.org/presentationml/2006/main">
   <p:cSld>
     <p:spTree>
@@ -5068,7 +6759,7 @@
 </p:sld>
 </file>
 
-<file path=ppt/slides/slide19.xml><?xml version="1.0" encoding="utf-8"?>
+<file path=ppt/slides/slide27.xml><?xml version="1.0" encoding="utf-8"?>
 <p:sld xmlns:a="http://schemas.openxmlformats.org/drawingml/2006/main" xmlns:r="http://schemas.openxmlformats.org/officeDocument/2006/relationships" xmlns:p="http://schemas.openxmlformats.org/presentationml/2006/main">
   <p:cSld>
     <p:spTree>
@@ -5160,8 +6851,8 @@
         </p:blipFill>
         <p:spPr>
           <a:xfrm>
-            <a:off x="539552" y="1268760"/>
-            <a:ext cx="8021961" cy="4680520"/>
+            <a:off x="-828600" y="1039353"/>
+            <a:ext cx="9972600" cy="5818647"/>
           </a:xfrm>
           <a:prstGeom prst="rect">
             <a:avLst/>
@@ -5172,158 +6863,6 @@
     <p:extLst>
       <p:ext uri="{BB962C8B-B14F-4D97-AF65-F5344CB8AC3E}">
         <p14:creationId xmlns:p14="http://schemas.microsoft.com/office/powerpoint/2010/main" val="3606882024"/>
-      </p:ext>
-    </p:extLst>
-  </p:cSld>
-  <p:clrMapOvr>
-    <a:masterClrMapping/>
-  </p:clrMapOvr>
-</p:sld>
-</file>
-
-<file path=ppt/slides/slide2.xml><?xml version="1.0" encoding="utf-8"?>
-<p:sld xmlns:a="http://schemas.openxmlformats.org/drawingml/2006/main" xmlns:r="http://schemas.openxmlformats.org/officeDocument/2006/relationships" xmlns:p="http://schemas.openxmlformats.org/presentationml/2006/main">
-  <p:cSld>
-    <p:spTree>
-      <p:nvGrpSpPr>
-        <p:cNvPr id="1" name=""/>
-        <p:cNvGrpSpPr/>
-        <p:nvPr/>
-      </p:nvGrpSpPr>
-      <p:grpSpPr>
-        <a:xfrm>
-          <a:off x="0" y="0"/>
-          <a:ext cx="0" cy="0"/>
-          <a:chOff x="0" y="0"/>
-          <a:chExt cx="0" cy="0"/>
-        </a:xfrm>
-      </p:grpSpPr>
-      <p:sp>
-        <p:nvSpPr>
-          <p:cNvPr id="2" name="Titre 1">
-            <a:extLst>
-              <a:ext uri="{FF2B5EF4-FFF2-40B4-BE49-F238E27FC236}">
-                <a16:creationId xmlns:a16="http://schemas.microsoft.com/office/drawing/2014/main" id="{0905AA96-0247-83E5-F59E-1197901E0F8C}"/>
-              </a:ext>
-            </a:extLst>
-          </p:cNvPr>
-          <p:cNvSpPr>
-            <a:spLocks noGrp="1"/>
-          </p:cNvSpPr>
-          <p:nvPr>
-            <p:ph type="title"/>
-          </p:nvPr>
-        </p:nvSpPr>
-        <p:spPr/>
-        <p:txBody>
-          <a:bodyPr/>
-          <a:lstStyle/>
-          <a:p>
-            <a:r>
-              <a:rPr lang="fr-FR" dirty="0"/>
-              <a:t>Circuit ouvert et fermé</a:t>
-            </a:r>
-          </a:p>
-        </p:txBody>
-      </p:sp>
-      <p:pic>
-        <p:nvPicPr>
-          <p:cNvPr id="2052" name="Picture 4" descr="Circuit ouvert et circuit fermé Électricité Physique sciences de  l'éducation | Vecteur Premium">
-            <a:extLst>
-              <a:ext uri="{FF2B5EF4-FFF2-40B4-BE49-F238E27FC236}">
-                <a16:creationId xmlns:a16="http://schemas.microsoft.com/office/drawing/2014/main" id="{CCF92695-E4BA-3D4E-5A07-730F8D6DDD3A}"/>
-              </a:ext>
-            </a:extLst>
-          </p:cNvPr>
-          <p:cNvPicPr>
-            <a:picLocks noChangeAspect="1" noChangeArrowheads="1"/>
-          </p:cNvPicPr>
-          <p:nvPr/>
-        </p:nvPicPr>
-        <p:blipFill>
-          <a:blip r:embed="rId2">
-            <a:extLst>
-              <a:ext uri="{28A0092B-C50C-407E-A947-70E740481C1C}">
-                <a14:useLocalDpi xmlns:a14="http://schemas.microsoft.com/office/drawing/2010/main" val="0"/>
-              </a:ext>
-            </a:extLst>
-          </a:blip>
-          <a:srcRect/>
-          <a:stretch>
-            <a:fillRect/>
-          </a:stretch>
-        </p:blipFill>
-        <p:spPr bwMode="auto">
-          <a:xfrm>
-            <a:off x="1581212" y="789016"/>
-            <a:ext cx="5962650" cy="3581400"/>
-          </a:xfrm>
-          <a:prstGeom prst="rect">
-            <a:avLst/>
-          </a:prstGeom>
-          <a:noFill/>
-          <a:extLst>
-            <a:ext uri="{909E8E84-426E-40DD-AFC4-6F175D3DCCD1}">
-              <a14:hiddenFill xmlns:a14="http://schemas.microsoft.com/office/drawing/2010/main">
-                <a:solidFill>
-                  <a:srgbClr val="FFFFFF"/>
-                </a:solidFill>
-              </a14:hiddenFill>
-            </a:ext>
-          </a:extLst>
-        </p:spPr>
-      </p:pic>
-      <p:pic>
-        <p:nvPicPr>
-          <p:cNvPr id="2054" name="Picture 6" descr="Circuit electrique">
-            <a:extLst>
-              <a:ext uri="{FF2B5EF4-FFF2-40B4-BE49-F238E27FC236}">
-                <a16:creationId xmlns:a16="http://schemas.microsoft.com/office/drawing/2014/main" id="{91D9422A-D4A4-6087-A84E-8318C16FFA83}"/>
-              </a:ext>
-            </a:extLst>
-          </p:cNvPr>
-          <p:cNvPicPr>
-            <a:picLocks noChangeAspect="1" noChangeArrowheads="1"/>
-          </p:cNvPicPr>
-          <p:nvPr/>
-        </p:nvPicPr>
-        <p:blipFill>
-          <a:blip r:embed="rId3">
-            <a:extLst>
-              <a:ext uri="{28A0092B-C50C-407E-A947-70E740481C1C}">
-                <a14:useLocalDpi xmlns:a14="http://schemas.microsoft.com/office/drawing/2010/main" val="0"/>
-              </a:ext>
-            </a:extLst>
-          </a:blip>
-          <a:srcRect/>
-          <a:stretch>
-            <a:fillRect/>
-          </a:stretch>
-        </p:blipFill>
-        <p:spPr bwMode="auto">
-          <a:xfrm>
-            <a:off x="3343275" y="4549863"/>
-            <a:ext cx="2457450" cy="1724025"/>
-          </a:xfrm>
-          <a:prstGeom prst="rect">
-            <a:avLst/>
-          </a:prstGeom>
-          <a:noFill/>
-          <a:extLst>
-            <a:ext uri="{909E8E84-426E-40DD-AFC4-6F175D3DCCD1}">
-              <a14:hiddenFill xmlns:a14="http://schemas.microsoft.com/office/drawing/2010/main">
-                <a:solidFill>
-                  <a:srgbClr val="FFFFFF"/>
-                </a:solidFill>
-              </a14:hiddenFill>
-            </a:ext>
-          </a:extLst>
-        </p:spPr>
-      </p:pic>
-    </p:spTree>
-    <p:extLst>
-      <p:ext uri="{BB962C8B-B14F-4D97-AF65-F5344CB8AC3E}">
-        <p14:creationId xmlns:p14="http://schemas.microsoft.com/office/powerpoint/2010/main" val="2407160521"/>
       </p:ext>
     </p:extLst>
   </p:cSld>
@@ -5485,6 +7024,139 @@
           <p:cNvPr id="2" name="Titre 1">
             <a:extLst>
               <a:ext uri="{FF2B5EF4-FFF2-40B4-BE49-F238E27FC236}">
+                <a16:creationId xmlns:a16="http://schemas.microsoft.com/office/drawing/2014/main" id="{C381EC56-9BAB-DC9D-9334-27E651D94AF6}"/>
+              </a:ext>
+            </a:extLst>
+          </p:cNvPr>
+          <p:cNvSpPr>
+            <a:spLocks noGrp="1"/>
+          </p:cNvSpPr>
+          <p:nvPr>
+            <p:ph type="title"/>
+          </p:nvPr>
+        </p:nvSpPr>
+        <p:spPr/>
+        <p:txBody>
+          <a:bodyPr/>
+          <a:lstStyle/>
+          <a:p>
+            <a:r>
+              <a:rPr lang="fr-FR" dirty="0"/>
+              <a:t>Code couleur</a:t>
+            </a:r>
+          </a:p>
+        </p:txBody>
+      </p:sp>
+      <p:sp>
+        <p:nvSpPr>
+          <p:cNvPr id="3" name="Espace réservé du contenu 2">
+            <a:extLst>
+              <a:ext uri="{FF2B5EF4-FFF2-40B4-BE49-F238E27FC236}">
+                <a16:creationId xmlns:a16="http://schemas.microsoft.com/office/drawing/2014/main" id="{CB1939AA-F7D1-ABCB-8EF1-0A78F7B1F3AC}"/>
+              </a:ext>
+            </a:extLst>
+          </p:cNvPr>
+          <p:cNvSpPr>
+            <a:spLocks noGrp="1"/>
+          </p:cNvSpPr>
+          <p:nvPr>
+            <p:ph idx="1"/>
+          </p:nvPr>
+        </p:nvSpPr>
+        <p:spPr/>
+        <p:txBody>
+          <a:bodyPr/>
+          <a:lstStyle/>
+          <a:p>
+            <a:r>
+              <a:rPr lang="fr-FR" dirty="0"/>
+              <a:t>Dans le doute utiliser un multimètre en série en position résistance</a:t>
+            </a:r>
+          </a:p>
+        </p:txBody>
+      </p:sp>
+      <p:pic>
+        <p:nvPicPr>
+          <p:cNvPr id="2050" name="Picture 2" descr="Tableau représentant les correspondances du code des couleurs des résistances">
+            <a:extLst>
+              <a:ext uri="{FF2B5EF4-FFF2-40B4-BE49-F238E27FC236}">
+                <a16:creationId xmlns:a16="http://schemas.microsoft.com/office/drawing/2014/main" id="{07910FBC-4041-0CA7-F46D-F38EECB61630}"/>
+              </a:ext>
+            </a:extLst>
+          </p:cNvPr>
+          <p:cNvPicPr>
+            <a:picLocks noChangeAspect="1" noChangeArrowheads="1"/>
+          </p:cNvPicPr>
+          <p:nvPr/>
+        </p:nvPicPr>
+        <p:blipFill>
+          <a:blip r:embed="rId2">
+            <a:extLst>
+              <a:ext uri="{28A0092B-C50C-407E-A947-70E740481C1C}">
+                <a14:useLocalDpi xmlns:a14="http://schemas.microsoft.com/office/drawing/2010/main" val="0"/>
+              </a:ext>
+            </a:extLst>
+          </a:blip>
+          <a:srcRect/>
+          <a:stretch>
+            <a:fillRect/>
+          </a:stretch>
+        </p:blipFill>
+        <p:spPr bwMode="auto">
+          <a:xfrm>
+            <a:off x="2987824" y="1751981"/>
+            <a:ext cx="4536504" cy="5074961"/>
+          </a:xfrm>
+          <a:prstGeom prst="rect">
+            <a:avLst/>
+          </a:prstGeom>
+          <a:noFill/>
+          <a:extLst>
+            <a:ext uri="{909E8E84-426E-40DD-AFC4-6F175D3DCCD1}">
+              <a14:hiddenFill xmlns:a14="http://schemas.microsoft.com/office/drawing/2010/main">
+                <a:solidFill>
+                  <a:srgbClr val="FFFFFF"/>
+                </a:solidFill>
+              </a14:hiddenFill>
+            </a:ext>
+          </a:extLst>
+        </p:spPr>
+      </p:pic>
+    </p:spTree>
+    <p:extLst>
+      <p:ext uri="{BB962C8B-B14F-4D97-AF65-F5344CB8AC3E}">
+        <p14:creationId xmlns:p14="http://schemas.microsoft.com/office/powerpoint/2010/main" val="2589722027"/>
+      </p:ext>
+    </p:extLst>
+  </p:cSld>
+  <p:clrMapOvr>
+    <a:masterClrMapping/>
+  </p:clrMapOvr>
+</p:sld>
+</file>
+
+<file path=ppt/slides/slide5.xml><?xml version="1.0" encoding="utf-8"?>
+<p:sld xmlns:a="http://schemas.openxmlformats.org/drawingml/2006/main" xmlns:r="http://schemas.openxmlformats.org/officeDocument/2006/relationships" xmlns:p="http://schemas.openxmlformats.org/presentationml/2006/main">
+  <p:cSld>
+    <p:spTree>
+      <p:nvGrpSpPr>
+        <p:cNvPr id="1" name=""/>
+        <p:cNvGrpSpPr/>
+        <p:nvPr/>
+      </p:nvGrpSpPr>
+      <p:grpSpPr>
+        <a:xfrm>
+          <a:off x="0" y="0"/>
+          <a:ext cx="0" cy="0"/>
+          <a:chOff x="0" y="0"/>
+          <a:chExt cx="0" cy="0"/>
+        </a:xfrm>
+      </p:grpSpPr>
+      <p:sp>
+        <p:nvSpPr>
+          <p:cNvPr id="2" name="Titre 1">
+            <a:extLst>
+              <a:ext uri="{FF2B5EF4-FFF2-40B4-BE49-F238E27FC236}">
                 <a16:creationId xmlns:a16="http://schemas.microsoft.com/office/drawing/2014/main" id="{EFAEFAD2-CCBB-5FA5-E264-EB6A8B69DBA1}"/>
               </a:ext>
             </a:extLst>
@@ -5593,7 +7265,135 @@
 </p:sld>
 </file>
 
-<file path=ppt/slides/slide5.xml><?xml version="1.0" encoding="utf-8"?>
+<file path=ppt/slides/slide6.xml><?xml version="1.0" encoding="utf-8"?>
+<p:sld xmlns:a="http://schemas.openxmlformats.org/drawingml/2006/main" xmlns:r="http://schemas.openxmlformats.org/officeDocument/2006/relationships" xmlns:p="http://schemas.openxmlformats.org/presentationml/2006/main">
+  <p:cSld>
+    <p:spTree>
+      <p:nvGrpSpPr>
+        <p:cNvPr id="1" name=""/>
+        <p:cNvGrpSpPr/>
+        <p:nvPr/>
+      </p:nvGrpSpPr>
+      <p:grpSpPr>
+        <a:xfrm>
+          <a:off x="0" y="0"/>
+          <a:ext cx="0" cy="0"/>
+          <a:chOff x="0" y="0"/>
+          <a:chExt cx="0" cy="0"/>
+        </a:xfrm>
+      </p:grpSpPr>
+      <p:sp>
+        <p:nvSpPr>
+          <p:cNvPr id="2" name="Titre 1">
+            <a:extLst>
+              <a:ext uri="{FF2B5EF4-FFF2-40B4-BE49-F238E27FC236}">
+                <a16:creationId xmlns:a16="http://schemas.microsoft.com/office/drawing/2014/main" id="{28BBDA0D-F7AA-AC9E-689D-22304B6B5330}"/>
+              </a:ext>
+            </a:extLst>
+          </p:cNvPr>
+          <p:cNvSpPr>
+            <a:spLocks noGrp="1"/>
+          </p:cNvSpPr>
+          <p:nvPr>
+            <p:ph type="title"/>
+          </p:nvPr>
+        </p:nvSpPr>
+        <p:spPr/>
+        <p:txBody>
+          <a:bodyPr/>
+          <a:lstStyle/>
+          <a:p>
+            <a:r>
+              <a:rPr lang="fr-FR" dirty="0"/>
+              <a:t>Montage en Série et Parallèle</a:t>
+            </a:r>
+          </a:p>
+        </p:txBody>
+      </p:sp>
+      <p:sp>
+        <p:nvSpPr>
+          <p:cNvPr id="3" name="Espace réservé du contenu 2">
+            <a:extLst>
+              <a:ext uri="{FF2B5EF4-FFF2-40B4-BE49-F238E27FC236}">
+                <a16:creationId xmlns:a16="http://schemas.microsoft.com/office/drawing/2014/main" id="{68B5C996-932A-FC22-D306-3A1FB55EF391}"/>
+              </a:ext>
+            </a:extLst>
+          </p:cNvPr>
+          <p:cNvSpPr>
+            <a:spLocks noGrp="1"/>
+          </p:cNvSpPr>
+          <p:nvPr>
+            <p:ph idx="1"/>
+          </p:nvPr>
+        </p:nvSpPr>
+        <p:spPr/>
+        <p:txBody>
+          <a:bodyPr/>
+          <a:lstStyle/>
+          <a:p>
+            <a:r>
+              <a:rPr lang="fr-FR" dirty="0"/>
+              <a:t>Série</a:t>
+            </a:r>
+          </a:p>
+          <a:p>
+            <a:pPr lvl="1"/>
+            <a:r>
+              <a:rPr lang="fr-FR" dirty="0"/>
+              <a:t>La somme des tensions aux bornes des dipôles est égale à la tension aux bornes du générateur</a:t>
+            </a:r>
+          </a:p>
+          <a:p>
+            <a:pPr lvl="1"/>
+            <a:r>
+              <a:rPr lang="fr-FR" dirty="0"/>
+              <a:t>L'intensité est la même partout</a:t>
+            </a:r>
+          </a:p>
+          <a:p>
+            <a:r>
+              <a:rPr lang="fr-FR" dirty="0"/>
+              <a:t>Parallèle</a:t>
+            </a:r>
+          </a:p>
+          <a:p>
+            <a:pPr lvl="1"/>
+            <a:r>
+              <a:rPr lang="fr-FR" dirty="0"/>
+              <a:t>La somme des intensités aux bornes des branches en parallèle est égale à l'intensité aux bornes du générateur</a:t>
+            </a:r>
+          </a:p>
+          <a:p>
+            <a:pPr lvl="1"/>
+            <a:r>
+              <a:rPr lang="fr-FR" dirty="0"/>
+              <a:t>La tension est la même dans toutes les branches</a:t>
+            </a:r>
+          </a:p>
+          <a:p>
+            <a:pPr lvl="1"/>
+            <a:endParaRPr lang="fr-FR" dirty="0"/>
+          </a:p>
+          <a:p>
+            <a:pPr lvl="1"/>
+            <a:endParaRPr lang="fr-FR" dirty="0"/>
+          </a:p>
+        </p:txBody>
+      </p:sp>
+    </p:spTree>
+    <p:extLst>
+      <p:ext uri="{BB962C8B-B14F-4D97-AF65-F5344CB8AC3E}">
+        <p14:creationId xmlns:p14="http://schemas.microsoft.com/office/powerpoint/2010/main" val="3830189854"/>
+      </p:ext>
+    </p:extLst>
+  </p:cSld>
+  <p:clrMapOvr>
+    <a:masterClrMapping/>
+  </p:clrMapOvr>
+</p:sld>
+</file>
+
+<file path=ppt/slides/slide7.xml><?xml version="1.0" encoding="utf-8"?>
 <p:sld xmlns:a="http://schemas.openxmlformats.org/drawingml/2006/main" xmlns:r="http://schemas.openxmlformats.org/officeDocument/2006/relationships" xmlns:p="http://schemas.openxmlformats.org/presentationml/2006/main">
   <p:cSld>
     <p:spTree>
@@ -5700,7 +7500,7 @@
 </p:sld>
 </file>
 
-<file path=ppt/slides/slide6.xml><?xml version="1.0" encoding="utf-8"?>
+<file path=ppt/slides/slide8.xml><?xml version="1.0" encoding="utf-8"?>
 <p:sld xmlns:a="http://schemas.openxmlformats.org/drawingml/2006/main" xmlns:r="http://schemas.openxmlformats.org/officeDocument/2006/relationships" xmlns:p="http://schemas.openxmlformats.org/presentationml/2006/main">
   <p:cSld>
     <p:spTree>
@@ -5805,7 +7605,7 @@
 </p:sld>
 </file>
 
-<file path=ppt/slides/slide7.xml><?xml version="1.0" encoding="utf-8"?>
+<file path=ppt/slides/slide9.xml><?xml version="1.0" encoding="utf-8"?>
 <p:sld xmlns:a="http://schemas.openxmlformats.org/drawingml/2006/main" xmlns:r="http://schemas.openxmlformats.org/officeDocument/2006/relationships" xmlns:p="http://schemas.openxmlformats.org/presentationml/2006/main">
   <p:cSld>
     <p:spTree>
@@ -6015,306 +7815,6 @@
     <p:extLst>
       <p:ext uri="{BB962C8B-B14F-4D97-AF65-F5344CB8AC3E}">
         <p14:creationId xmlns:p14="http://schemas.microsoft.com/office/powerpoint/2010/main" val="2242784249"/>
-      </p:ext>
-    </p:extLst>
-  </p:cSld>
-  <p:clrMapOvr>
-    <a:masterClrMapping/>
-  </p:clrMapOvr>
-</p:sld>
-</file>
-
-<file path=ppt/slides/slide8.xml><?xml version="1.0" encoding="utf-8"?>
-<p:sld xmlns:a="http://schemas.openxmlformats.org/drawingml/2006/main" xmlns:r="http://schemas.openxmlformats.org/officeDocument/2006/relationships" xmlns:p="http://schemas.openxmlformats.org/presentationml/2006/main">
-  <p:cSld>
-    <p:spTree>
-      <p:nvGrpSpPr>
-        <p:cNvPr id="1" name=""/>
-        <p:cNvGrpSpPr/>
-        <p:nvPr/>
-      </p:nvGrpSpPr>
-      <p:grpSpPr>
-        <a:xfrm>
-          <a:off x="0" y="0"/>
-          <a:ext cx="0" cy="0"/>
-          <a:chOff x="0" y="0"/>
-          <a:chExt cx="0" cy="0"/>
-        </a:xfrm>
-      </p:grpSpPr>
-      <p:sp>
-        <p:nvSpPr>
-          <p:cNvPr id="2" name="Titre 1">
-            <a:extLst>
-              <a:ext uri="{FF2B5EF4-FFF2-40B4-BE49-F238E27FC236}">
-                <a16:creationId xmlns:a16="http://schemas.microsoft.com/office/drawing/2014/main" id="{49BA31C9-0516-70C7-50A2-F09F4666D9B7}"/>
-              </a:ext>
-            </a:extLst>
-          </p:cNvPr>
-          <p:cNvSpPr>
-            <a:spLocks noGrp="1"/>
-          </p:cNvSpPr>
-          <p:nvPr>
-            <p:ph type="title"/>
-          </p:nvPr>
-        </p:nvSpPr>
-        <p:spPr/>
-        <p:txBody>
-          <a:bodyPr/>
-          <a:lstStyle/>
-          <a:p>
-            <a:r>
-              <a:rPr lang="fr-FR" dirty="0"/>
-              <a:t>Diode</a:t>
-            </a:r>
-          </a:p>
-        </p:txBody>
-      </p:sp>
-      <p:sp>
-        <p:nvSpPr>
-          <p:cNvPr id="3" name="Espace réservé du contenu 2">
-            <a:extLst>
-              <a:ext uri="{FF2B5EF4-FFF2-40B4-BE49-F238E27FC236}">
-                <a16:creationId xmlns:a16="http://schemas.microsoft.com/office/drawing/2014/main" id="{713AA39F-DA38-EA67-6775-E40FE7049E89}"/>
-              </a:ext>
-            </a:extLst>
-          </p:cNvPr>
-          <p:cNvSpPr>
-            <a:spLocks noGrp="1"/>
-          </p:cNvSpPr>
-          <p:nvPr>
-            <p:ph idx="1"/>
-          </p:nvPr>
-        </p:nvSpPr>
-        <p:spPr/>
-        <p:txBody>
-          <a:bodyPr/>
-          <a:lstStyle/>
-          <a:p>
-            <a:r>
-              <a:rPr lang="fr-FR" dirty="0"/>
-              <a:t>Semi-conducteur</a:t>
-            </a:r>
-          </a:p>
-          <a:p>
-            <a:pPr lvl="1"/>
-            <a:r>
-              <a:rPr lang="fr-FR" dirty="0"/>
-              <a:t>Ne laisse passer le courant que dans un sens</a:t>
-            </a:r>
-          </a:p>
-          <a:p>
-            <a:pPr lvl="1"/>
-            <a:endParaRPr lang="fr-FR" dirty="0"/>
-          </a:p>
-          <a:p>
-            <a:pPr lvl="1"/>
-            <a:endParaRPr lang="fr-FR" dirty="0"/>
-          </a:p>
-          <a:p>
-            <a:pPr lvl="1"/>
-            <a:endParaRPr lang="fr-FR" dirty="0"/>
-          </a:p>
-          <a:p>
-            <a:pPr lvl="1"/>
-            <a:endParaRPr lang="fr-FR" dirty="0"/>
-          </a:p>
-          <a:p>
-            <a:pPr lvl="1"/>
-            <a:r>
-              <a:rPr lang="fr-FR" dirty="0"/>
-              <a:t>Chute de tension d'environ 0.7v à basse tension</a:t>
-            </a:r>
-          </a:p>
-        </p:txBody>
-      </p:sp>
-      <p:pic>
-        <p:nvPicPr>
-          <p:cNvPr id="5" name="Image 4">
-            <a:extLst>
-              <a:ext uri="{FF2B5EF4-FFF2-40B4-BE49-F238E27FC236}">
-                <a16:creationId xmlns:a16="http://schemas.microsoft.com/office/drawing/2014/main" id="{806E760E-F863-685F-24FD-192B9454729C}"/>
-              </a:ext>
-            </a:extLst>
-          </p:cNvPr>
-          <p:cNvPicPr>
-            <a:picLocks noChangeAspect="1"/>
-          </p:cNvPicPr>
-          <p:nvPr/>
-        </p:nvPicPr>
-        <p:blipFill>
-          <a:blip r:embed="rId2"/>
-          <a:stretch>
-            <a:fillRect/>
-          </a:stretch>
-        </p:blipFill>
-        <p:spPr>
-          <a:xfrm>
-            <a:off x="3314588" y="3057473"/>
-            <a:ext cx="2495898" cy="743054"/>
-          </a:xfrm>
-          <a:prstGeom prst="rect">
-            <a:avLst/>
-          </a:prstGeom>
-        </p:spPr>
-      </p:pic>
-    </p:spTree>
-    <p:extLst>
-      <p:ext uri="{BB962C8B-B14F-4D97-AF65-F5344CB8AC3E}">
-        <p14:creationId xmlns:p14="http://schemas.microsoft.com/office/powerpoint/2010/main" val="2586237269"/>
-      </p:ext>
-    </p:extLst>
-  </p:cSld>
-  <p:clrMapOvr>
-    <a:masterClrMapping/>
-  </p:clrMapOvr>
-</p:sld>
-</file>
-
-<file path=ppt/slides/slide9.xml><?xml version="1.0" encoding="utf-8"?>
-<p:sld xmlns:a="http://schemas.openxmlformats.org/drawingml/2006/main" xmlns:r="http://schemas.openxmlformats.org/officeDocument/2006/relationships" xmlns:p="http://schemas.openxmlformats.org/presentationml/2006/main">
-  <p:cSld>
-    <p:spTree>
-      <p:nvGrpSpPr>
-        <p:cNvPr id="1" name=""/>
-        <p:cNvGrpSpPr/>
-        <p:nvPr/>
-      </p:nvGrpSpPr>
-      <p:grpSpPr>
-        <a:xfrm>
-          <a:off x="0" y="0"/>
-          <a:ext cx="0" cy="0"/>
-          <a:chOff x="0" y="0"/>
-          <a:chExt cx="0" cy="0"/>
-        </a:xfrm>
-      </p:grpSpPr>
-      <p:sp>
-        <p:nvSpPr>
-          <p:cNvPr id="2" name="Titre 1">
-            <a:extLst>
-              <a:ext uri="{FF2B5EF4-FFF2-40B4-BE49-F238E27FC236}">
-                <a16:creationId xmlns:a16="http://schemas.microsoft.com/office/drawing/2014/main" id="{B33DDEB9-80B0-4B4C-09B3-4A7A9A7A4D6D}"/>
-              </a:ext>
-            </a:extLst>
-          </p:cNvPr>
-          <p:cNvSpPr>
-            <a:spLocks noGrp="1"/>
-          </p:cNvSpPr>
-          <p:nvPr>
-            <p:ph type="title"/>
-          </p:nvPr>
-        </p:nvSpPr>
-        <p:spPr/>
-        <p:txBody>
-          <a:bodyPr/>
-          <a:lstStyle/>
-          <a:p>
-            <a:r>
-              <a:rPr lang="fr-FR" dirty="0"/>
-              <a:t>Pont de diode</a:t>
-            </a:r>
-          </a:p>
-        </p:txBody>
-      </p:sp>
-      <p:pic>
-        <p:nvPicPr>
-          <p:cNvPr id="4098" name="Picture 2" descr="Pont de diodes — Wikipédia">
-            <a:extLst>
-              <a:ext uri="{FF2B5EF4-FFF2-40B4-BE49-F238E27FC236}">
-                <a16:creationId xmlns:a16="http://schemas.microsoft.com/office/drawing/2014/main" id="{25B6B5B3-9CDF-AFB5-1A2E-2C27C7EE4798}"/>
-              </a:ext>
-            </a:extLst>
-          </p:cNvPr>
-          <p:cNvPicPr>
-            <a:picLocks noGrp="1" noChangeAspect="1" noChangeArrowheads="1"/>
-          </p:cNvPicPr>
-          <p:nvPr>
-            <p:ph idx="1"/>
-          </p:nvPr>
-        </p:nvPicPr>
-        <p:blipFill>
-          <a:blip r:embed="rId2">
-            <a:extLst>
-              <a:ext uri="{28A0092B-C50C-407E-A947-70E740481C1C}">
-                <a14:useLocalDpi xmlns:a14="http://schemas.microsoft.com/office/drawing/2010/main" val="0"/>
-              </a:ext>
-            </a:extLst>
-          </a:blip>
-          <a:srcRect/>
-          <a:stretch>
-            <a:fillRect/>
-          </a:stretch>
-        </p:blipFill>
-        <p:spPr bwMode="auto">
-          <a:xfrm>
-            <a:off x="2245096" y="1132904"/>
-            <a:ext cx="4847183" cy="2908310"/>
-          </a:xfrm>
-          <a:prstGeom prst="rect">
-            <a:avLst/>
-          </a:prstGeom>
-          <a:noFill/>
-          <a:extLst>
-            <a:ext uri="{909E8E84-426E-40DD-AFC4-6F175D3DCCD1}">
-              <a14:hiddenFill xmlns:a14="http://schemas.microsoft.com/office/drawing/2010/main">
-                <a:solidFill>
-                  <a:srgbClr val="FFFFFF"/>
-                </a:solidFill>
-              </a14:hiddenFill>
-            </a:ext>
-          </a:extLst>
-        </p:spPr>
-      </p:pic>
-      <p:pic>
-        <p:nvPicPr>
-          <p:cNvPr id="4100" name="Picture 4" descr="Pont de diodes — Wikipédia">
-            <a:extLst>
-              <a:ext uri="{FF2B5EF4-FFF2-40B4-BE49-F238E27FC236}">
-                <a16:creationId xmlns:a16="http://schemas.microsoft.com/office/drawing/2014/main" id="{2016B094-3AE8-1E4D-F9A9-75487C8D7713}"/>
-              </a:ext>
-            </a:extLst>
-          </p:cNvPr>
-          <p:cNvPicPr>
-            <a:picLocks noChangeAspect="1" noChangeArrowheads="1"/>
-          </p:cNvPicPr>
-          <p:nvPr/>
-        </p:nvPicPr>
-        <p:blipFill>
-          <a:blip r:embed="rId3">
-            <a:extLst>
-              <a:ext uri="{28A0092B-C50C-407E-A947-70E740481C1C}">
-                <a14:useLocalDpi xmlns:a14="http://schemas.microsoft.com/office/drawing/2010/main" val="0"/>
-              </a:ext>
-            </a:extLst>
-          </a:blip>
-          <a:srcRect/>
-          <a:stretch>
-            <a:fillRect/>
-          </a:stretch>
-        </p:blipFill>
-        <p:spPr bwMode="auto">
-          <a:xfrm>
-            <a:off x="3203848" y="4221088"/>
-            <a:ext cx="2952328" cy="2097707"/>
-          </a:xfrm>
-          <a:prstGeom prst="rect">
-            <a:avLst/>
-          </a:prstGeom>
-          <a:noFill/>
-          <a:extLst>
-            <a:ext uri="{909E8E84-426E-40DD-AFC4-6F175D3DCCD1}">
-              <a14:hiddenFill xmlns:a14="http://schemas.microsoft.com/office/drawing/2010/main">
-                <a:solidFill>
-                  <a:srgbClr val="FFFFFF"/>
-                </a:solidFill>
-              </a14:hiddenFill>
-            </a:ext>
-          </a:extLst>
-        </p:spPr>
-      </p:pic>
-    </p:spTree>
-    <p:extLst>
-      <p:ext uri="{BB962C8B-B14F-4D97-AF65-F5344CB8AC3E}">
-        <p14:creationId xmlns:p14="http://schemas.microsoft.com/office/powerpoint/2010/main" val="3376971856"/>
       </p:ext>
     </p:extLst>
   </p:cSld>
